--- a/Project Presentation_upd1025_new.pptx
+++ b/Project Presentation_upd1025_new.pptx
@@ -125,6 +125,22 @@
       </a:defRPr>
     </a:lvl9pPr>
   </p:defaultTextStyle>
+  <p:extLst>
+    <p:ext uri="{EFAFB233-063F-42B5-8137-9DF3F51BA10A}">
+      <p15:sldGuideLst xmlns:p15="http://schemas.microsoft.com/office/powerpoint/2012/main">
+        <p15:guide id="1" orient="horz" pos="2160">
+          <p15:clr>
+            <a:srgbClr val="A4A3A4"/>
+          </p15:clr>
+        </p15:guide>
+        <p15:guide id="2" pos="3840">
+          <p15:clr>
+            <a:srgbClr val="A4A3A4"/>
+          </p15:clr>
+        </p15:guide>
+      </p15:sldGuideLst>
+    </p:ext>
+  </p:extLst>
 </p:presentation>
 </file>
 
@@ -210,7 +226,7 @@
           <a:p>
             <a:fld id="{852AB28E-086B-43C0-A1B2-AB56B01C55C3}" type="datetimeFigureOut">
               <a:rPr lang="en-US" smtClean="0"/>
-              <a:t>10/25/2019</a:t>
+              <a:t>10/25/19</a:t>
             </a:fld>
             <a:endParaRPr lang="en-US"/>
           </a:p>
@@ -274,38 +290,37 @@
           <a:p>
             <a:pPr lvl="0"/>
             <a:r>
-              <a:rPr lang="en-US" smtClean="0"/>
+              <a:rPr lang="en-US"/>
               <a:t>Click to edit Master text styles</a:t>
             </a:r>
           </a:p>
           <a:p>
             <a:pPr lvl="1"/>
             <a:r>
-              <a:rPr lang="en-US" smtClean="0"/>
+              <a:rPr lang="en-US"/>
               <a:t>Second level</a:t>
             </a:r>
           </a:p>
           <a:p>
             <a:pPr lvl="2"/>
             <a:r>
-              <a:rPr lang="en-US" smtClean="0"/>
+              <a:rPr lang="en-US"/>
               <a:t>Third level</a:t>
             </a:r>
           </a:p>
           <a:p>
             <a:pPr lvl="3"/>
             <a:r>
-              <a:rPr lang="en-US" smtClean="0"/>
+              <a:rPr lang="en-US"/>
               <a:t>Fourth level</a:t>
             </a:r>
           </a:p>
           <a:p>
             <a:pPr lvl="4"/>
             <a:r>
-              <a:rPr lang="en-US" smtClean="0"/>
+              <a:rPr lang="en-US"/>
               <a:t>Fifth level</a:t>
             </a:r>
-            <a:endParaRPr lang="en-US"/>
           </a:p>
         </p:txBody>
       </p:sp>
@@ -611,7 +626,7 @@
           </a:lstStyle>
           <a:p>
             <a:r>
-              <a:rPr lang="en-US" smtClean="0"/>
+              <a:rPr lang="en-US"/>
               <a:t>Click to edit Master title style</a:t>
             </a:r>
             <a:endParaRPr lang="en-US" dirty="0"/>
@@ -732,7 +747,7 @@
           </a:lstStyle>
           <a:p>
             <a:r>
-              <a:rPr lang="en-US" smtClean="0"/>
+              <a:rPr lang="en-US"/>
               <a:t>Click to edit Master subtitle style</a:t>
             </a:r>
             <a:endParaRPr lang="en-US" dirty="0"/>
@@ -756,7 +771,7 @@
           <a:p>
             <a:fld id="{5B2B69B6-2ACE-9340-8A47-75CA55B83E31}" type="datetimeFigureOut">
               <a:rPr lang="en-US" smtClean="0"/>
-              <a:t>10/25/2019</a:t>
+              <a:t>10/25/19</a:t>
             </a:fld>
             <a:endParaRPr lang="en-US"/>
           </a:p>
@@ -845,10 +860,9 @@
           <a:lstStyle/>
           <a:p>
             <a:r>
-              <a:rPr lang="en-US" smtClean="0"/>
+              <a:rPr lang="en-US"/>
               <a:t>Click to edit Master title style</a:t>
             </a:r>
-            <a:endParaRPr lang="en-US"/>
           </a:p>
         </p:txBody>
       </p:sp>
@@ -869,38 +883,37 @@
           <a:p>
             <a:pPr lvl="0"/>
             <a:r>
-              <a:rPr lang="en-US" smtClean="0"/>
+              <a:rPr lang="en-US"/>
               <a:t>Click to edit Master text styles</a:t>
             </a:r>
           </a:p>
           <a:p>
             <a:pPr lvl="1"/>
             <a:r>
-              <a:rPr lang="en-US" smtClean="0"/>
+              <a:rPr lang="en-US"/>
               <a:t>Second level</a:t>
             </a:r>
           </a:p>
           <a:p>
             <a:pPr lvl="2"/>
             <a:r>
-              <a:rPr lang="en-US" smtClean="0"/>
+              <a:rPr lang="en-US"/>
               <a:t>Third level</a:t>
             </a:r>
           </a:p>
           <a:p>
             <a:pPr lvl="3"/>
             <a:r>
-              <a:rPr lang="en-US" smtClean="0"/>
+              <a:rPr lang="en-US"/>
               <a:t>Fourth level</a:t>
             </a:r>
           </a:p>
           <a:p>
             <a:pPr lvl="4"/>
             <a:r>
-              <a:rPr lang="en-US" smtClean="0"/>
+              <a:rPr lang="en-US"/>
               <a:t>Fifth level</a:t>
             </a:r>
-            <a:endParaRPr lang="en-US"/>
           </a:p>
         </p:txBody>
       </p:sp>
@@ -921,7 +934,7 @@
           <a:p>
             <a:fld id="{5B2B69B6-2ACE-9340-8A47-75CA55B83E31}" type="datetimeFigureOut">
               <a:rPr lang="en-US" smtClean="0"/>
-              <a:t>10/25/2019</a:t>
+              <a:t>10/25/19</a:t>
             </a:fld>
             <a:endParaRPr lang="en-US"/>
           </a:p>
@@ -1015,7 +1028,7 @@
           <a:lstStyle/>
           <a:p>
             <a:r>
-              <a:rPr lang="en-US" smtClean="0"/>
+              <a:rPr lang="en-US"/>
               <a:t>Click to edit Master title style</a:t>
             </a:r>
             <a:endParaRPr lang="en-US" dirty="0"/>
@@ -1044,38 +1057,37 @@
           <a:p>
             <a:pPr lvl="0"/>
             <a:r>
-              <a:rPr lang="en-US" smtClean="0"/>
+              <a:rPr lang="en-US"/>
               <a:t>Click to edit Master text styles</a:t>
             </a:r>
           </a:p>
           <a:p>
             <a:pPr lvl="1"/>
             <a:r>
-              <a:rPr lang="en-US" smtClean="0"/>
+              <a:rPr lang="en-US"/>
               <a:t>Second level</a:t>
             </a:r>
           </a:p>
           <a:p>
             <a:pPr lvl="2"/>
             <a:r>
-              <a:rPr lang="en-US" smtClean="0"/>
+              <a:rPr lang="en-US"/>
               <a:t>Third level</a:t>
             </a:r>
           </a:p>
           <a:p>
             <a:pPr lvl="3"/>
             <a:r>
-              <a:rPr lang="en-US" smtClean="0"/>
+              <a:rPr lang="en-US"/>
               <a:t>Fourth level</a:t>
             </a:r>
           </a:p>
           <a:p>
             <a:pPr lvl="4"/>
             <a:r>
-              <a:rPr lang="en-US" smtClean="0"/>
+              <a:rPr lang="en-US"/>
               <a:t>Fifth level</a:t>
             </a:r>
-            <a:endParaRPr lang="en-US"/>
           </a:p>
         </p:txBody>
       </p:sp>
@@ -1096,7 +1108,7 @@
           <a:p>
             <a:fld id="{5B2B69B6-2ACE-9340-8A47-75CA55B83E31}" type="datetimeFigureOut">
               <a:rPr lang="en-US" smtClean="0"/>
-              <a:t>10/25/2019</a:t>
+              <a:t>10/25/19</a:t>
             </a:fld>
             <a:endParaRPr lang="en-US"/>
           </a:p>
@@ -1185,10 +1197,9 @@
           <a:lstStyle/>
           <a:p>
             <a:r>
-              <a:rPr lang="en-US" smtClean="0"/>
+              <a:rPr lang="en-US"/>
               <a:t>Click to edit Master title style</a:t>
             </a:r>
-            <a:endParaRPr lang="en-US"/>
           </a:p>
         </p:txBody>
       </p:sp>
@@ -1209,38 +1220,37 @@
           <a:p>
             <a:pPr lvl="0"/>
             <a:r>
-              <a:rPr lang="en-US" smtClean="0"/>
+              <a:rPr lang="en-US"/>
               <a:t>Click to edit Master text styles</a:t>
             </a:r>
           </a:p>
           <a:p>
             <a:pPr lvl="1"/>
             <a:r>
-              <a:rPr lang="en-US" smtClean="0"/>
+              <a:rPr lang="en-US"/>
               <a:t>Second level</a:t>
             </a:r>
           </a:p>
           <a:p>
             <a:pPr lvl="2"/>
             <a:r>
-              <a:rPr lang="en-US" smtClean="0"/>
+              <a:rPr lang="en-US"/>
               <a:t>Third level</a:t>
             </a:r>
           </a:p>
           <a:p>
             <a:pPr lvl="3"/>
             <a:r>
-              <a:rPr lang="en-US" smtClean="0"/>
+              <a:rPr lang="en-US"/>
               <a:t>Fourth level</a:t>
             </a:r>
           </a:p>
           <a:p>
             <a:pPr lvl="4"/>
             <a:r>
-              <a:rPr lang="en-US" smtClean="0"/>
+              <a:rPr lang="en-US"/>
               <a:t>Fifth level</a:t>
             </a:r>
-            <a:endParaRPr lang="en-US"/>
           </a:p>
         </p:txBody>
       </p:sp>
@@ -1261,7 +1271,7 @@
           <a:p>
             <a:fld id="{5B2B69B6-2ACE-9340-8A47-75CA55B83E31}" type="datetimeFigureOut">
               <a:rPr lang="en-US" smtClean="0"/>
-              <a:t>10/25/2019</a:t>
+              <a:t>10/25/19</a:t>
             </a:fld>
             <a:endParaRPr lang="en-US"/>
           </a:p>
@@ -1359,7 +1369,7 @@
           </a:lstStyle>
           <a:p>
             <a:r>
-              <a:rPr lang="en-US" smtClean="0"/>
+              <a:rPr lang="en-US"/>
               <a:t>Click to edit Master title style</a:t>
             </a:r>
             <a:endParaRPr lang="en-US" dirty="0"/>
@@ -1479,7 +1489,7 @@
           <a:p>
             <a:pPr lvl="0"/>
             <a:r>
-              <a:rPr lang="en-US" smtClean="0"/>
+              <a:rPr lang="en-US"/>
               <a:t>Click to edit Master text styles</a:t>
             </a:r>
           </a:p>
@@ -1502,7 +1512,7 @@
           <a:p>
             <a:fld id="{5B2B69B6-2ACE-9340-8A47-75CA55B83E31}" type="datetimeFigureOut">
               <a:rPr lang="en-US" smtClean="0"/>
-              <a:t>10/25/2019</a:t>
+              <a:t>10/25/19</a:t>
             </a:fld>
             <a:endParaRPr lang="en-US"/>
           </a:p>
@@ -1591,10 +1601,9 @@
           <a:lstStyle/>
           <a:p>
             <a:r>
-              <a:rPr lang="en-US" smtClean="0"/>
+              <a:rPr lang="en-US"/>
               <a:t>Click to edit Master title style</a:t>
             </a:r>
-            <a:endParaRPr lang="en-US"/>
           </a:p>
         </p:txBody>
       </p:sp>
@@ -1648,35 +1657,35 @@
           <a:p>
             <a:pPr lvl="0"/>
             <a:r>
-              <a:rPr lang="en-US" smtClean="0"/>
+              <a:rPr lang="en-US"/>
               <a:t>Click to edit Master text styles</a:t>
             </a:r>
           </a:p>
           <a:p>
             <a:pPr lvl="1"/>
             <a:r>
-              <a:rPr lang="en-US" smtClean="0"/>
+              <a:rPr lang="en-US"/>
               <a:t>Second level</a:t>
             </a:r>
           </a:p>
           <a:p>
             <a:pPr lvl="2"/>
             <a:r>
-              <a:rPr lang="en-US" smtClean="0"/>
+              <a:rPr lang="en-US"/>
               <a:t>Third level</a:t>
             </a:r>
           </a:p>
           <a:p>
             <a:pPr lvl="3"/>
             <a:r>
-              <a:rPr lang="en-US" smtClean="0"/>
+              <a:rPr lang="en-US"/>
               <a:t>Fourth level</a:t>
             </a:r>
           </a:p>
           <a:p>
             <a:pPr lvl="4"/>
             <a:r>
-              <a:rPr lang="en-US" smtClean="0"/>
+              <a:rPr lang="en-US"/>
               <a:t>Fifth level</a:t>
             </a:r>
             <a:endParaRPr lang="en-US" dirty="0"/>
@@ -1733,35 +1742,35 @@
           <a:p>
             <a:pPr lvl="0"/>
             <a:r>
-              <a:rPr lang="en-US" smtClean="0"/>
+              <a:rPr lang="en-US"/>
               <a:t>Click to edit Master text styles</a:t>
             </a:r>
           </a:p>
           <a:p>
             <a:pPr lvl="1"/>
             <a:r>
-              <a:rPr lang="en-US" smtClean="0"/>
+              <a:rPr lang="en-US"/>
               <a:t>Second level</a:t>
             </a:r>
           </a:p>
           <a:p>
             <a:pPr lvl="2"/>
             <a:r>
-              <a:rPr lang="en-US" smtClean="0"/>
+              <a:rPr lang="en-US"/>
               <a:t>Third level</a:t>
             </a:r>
           </a:p>
           <a:p>
             <a:pPr lvl="3"/>
             <a:r>
-              <a:rPr lang="en-US" smtClean="0"/>
+              <a:rPr lang="en-US"/>
               <a:t>Fourth level</a:t>
             </a:r>
           </a:p>
           <a:p>
             <a:pPr lvl="4"/>
             <a:r>
-              <a:rPr lang="en-US" smtClean="0"/>
+              <a:rPr lang="en-US"/>
               <a:t>Fifth level</a:t>
             </a:r>
             <a:endParaRPr lang="en-US" dirty="0"/>
@@ -1785,7 +1794,7 @@
           <a:p>
             <a:fld id="{5B2B69B6-2ACE-9340-8A47-75CA55B83E31}" type="datetimeFigureOut">
               <a:rPr lang="en-US" smtClean="0"/>
-              <a:t>10/25/2019</a:t>
+              <a:t>10/25/19</a:t>
             </a:fld>
             <a:endParaRPr lang="en-US"/>
           </a:p>
@@ -1878,10 +1887,9 @@
           </a:lstStyle>
           <a:p>
             <a:r>
-              <a:rPr lang="en-US" smtClean="0"/>
+              <a:rPr lang="en-US"/>
               <a:t>Click to edit Master title style</a:t>
             </a:r>
-            <a:endParaRPr lang="en-US"/>
           </a:p>
         </p:txBody>
       </p:sp>
@@ -1950,7 +1958,7 @@
           <a:p>
             <a:pPr lvl="0"/>
             <a:r>
-              <a:rPr lang="en-US" smtClean="0"/>
+              <a:rPr lang="en-US"/>
               <a:t>Click to edit Master text styles</a:t>
             </a:r>
           </a:p>
@@ -2006,35 +2014,35 @@
           <a:p>
             <a:pPr lvl="0"/>
             <a:r>
-              <a:rPr lang="en-US" smtClean="0"/>
+              <a:rPr lang="en-US"/>
               <a:t>Click to edit Master text styles</a:t>
             </a:r>
           </a:p>
           <a:p>
             <a:pPr lvl="1"/>
             <a:r>
-              <a:rPr lang="en-US" smtClean="0"/>
+              <a:rPr lang="en-US"/>
               <a:t>Second level</a:t>
             </a:r>
           </a:p>
           <a:p>
             <a:pPr lvl="2"/>
             <a:r>
-              <a:rPr lang="en-US" smtClean="0"/>
+              <a:rPr lang="en-US"/>
               <a:t>Third level</a:t>
             </a:r>
           </a:p>
           <a:p>
             <a:pPr lvl="3"/>
             <a:r>
-              <a:rPr lang="en-US" smtClean="0"/>
+              <a:rPr lang="en-US"/>
               <a:t>Fourth level</a:t>
             </a:r>
           </a:p>
           <a:p>
             <a:pPr lvl="4"/>
             <a:r>
-              <a:rPr lang="en-US" smtClean="0"/>
+              <a:rPr lang="en-US"/>
               <a:t>Fifth level</a:t>
             </a:r>
             <a:endParaRPr lang="en-US" dirty="0"/>
@@ -2106,7 +2114,7 @@
           <a:p>
             <a:pPr lvl="0"/>
             <a:r>
-              <a:rPr lang="en-US" smtClean="0"/>
+              <a:rPr lang="en-US"/>
               <a:t>Click to edit Master text styles</a:t>
             </a:r>
           </a:p>
@@ -2162,38 +2170,37 @@
           <a:p>
             <a:pPr lvl="0"/>
             <a:r>
-              <a:rPr lang="en-US" smtClean="0"/>
+              <a:rPr lang="en-US"/>
               <a:t>Click to edit Master text styles</a:t>
             </a:r>
           </a:p>
           <a:p>
             <a:pPr lvl="1"/>
             <a:r>
-              <a:rPr lang="en-US" smtClean="0"/>
+              <a:rPr lang="en-US"/>
               <a:t>Second level</a:t>
             </a:r>
           </a:p>
           <a:p>
             <a:pPr lvl="2"/>
             <a:r>
-              <a:rPr lang="en-US" smtClean="0"/>
+              <a:rPr lang="en-US"/>
               <a:t>Third level</a:t>
             </a:r>
           </a:p>
           <a:p>
             <a:pPr lvl="3"/>
             <a:r>
-              <a:rPr lang="en-US" smtClean="0"/>
+              <a:rPr lang="en-US"/>
               <a:t>Fourth level</a:t>
             </a:r>
           </a:p>
           <a:p>
             <a:pPr lvl="4"/>
             <a:r>
-              <a:rPr lang="en-US" smtClean="0"/>
+              <a:rPr lang="en-US"/>
               <a:t>Fifth level</a:t>
             </a:r>
-            <a:endParaRPr lang="en-US"/>
           </a:p>
         </p:txBody>
       </p:sp>
@@ -2214,7 +2221,7 @@
           <a:p>
             <a:fld id="{5B2B69B6-2ACE-9340-8A47-75CA55B83E31}" type="datetimeFigureOut">
               <a:rPr lang="en-US" smtClean="0"/>
-              <a:t>10/25/2019</a:t>
+              <a:t>10/25/19</a:t>
             </a:fld>
             <a:endParaRPr lang="en-US"/>
           </a:p>
@@ -2303,10 +2310,9 @@
           <a:lstStyle/>
           <a:p>
             <a:r>
-              <a:rPr lang="en-US" smtClean="0"/>
+              <a:rPr lang="en-US"/>
               <a:t>Click to edit Master title style</a:t>
             </a:r>
-            <a:endParaRPr lang="en-US"/>
           </a:p>
         </p:txBody>
       </p:sp>
@@ -2327,7 +2333,7 @@
           <a:p>
             <a:fld id="{5B2B69B6-2ACE-9340-8A47-75CA55B83E31}" type="datetimeFigureOut">
               <a:rPr lang="en-US" smtClean="0"/>
-              <a:t>10/25/2019</a:t>
+              <a:t>10/25/19</a:t>
             </a:fld>
             <a:endParaRPr lang="en-US"/>
           </a:p>
@@ -2417,7 +2423,7 @@
           <a:p>
             <a:fld id="{5B2B69B6-2ACE-9340-8A47-75CA55B83E31}" type="datetimeFigureOut">
               <a:rPr lang="en-US" smtClean="0"/>
-              <a:t>10/25/2019</a:t>
+              <a:t>10/25/19</a:t>
             </a:fld>
             <a:endParaRPr lang="en-US"/>
           </a:p>
@@ -2515,7 +2521,7 @@
           </a:lstStyle>
           <a:p>
             <a:r>
-              <a:rPr lang="en-US" smtClean="0"/>
+              <a:rPr lang="en-US"/>
               <a:t>Click to edit Master title style</a:t>
             </a:r>
             <a:endParaRPr lang="en-US" dirty="0"/>
@@ -2583,7 +2589,7 @@
           <a:p>
             <a:pPr lvl="0"/>
             <a:r>
-              <a:rPr lang="en-US" smtClean="0"/>
+              <a:rPr lang="en-US"/>
               <a:t>Click to edit Master text styles</a:t>
             </a:r>
           </a:p>
@@ -2606,7 +2612,7 @@
           <a:p>
             <a:fld id="{5B2B69B6-2ACE-9340-8A47-75CA55B83E31}" type="datetimeFigureOut">
               <a:rPr lang="en-US" smtClean="0"/>
-              <a:t>10/25/2019</a:t>
+              <a:t>10/25/19</a:t>
             </a:fld>
             <a:endParaRPr lang="en-US"/>
           </a:p>
@@ -2676,38 +2682,37 @@
           <a:p>
             <a:pPr lvl="0"/>
             <a:r>
-              <a:rPr lang="en-US" smtClean="0"/>
+              <a:rPr lang="en-US"/>
               <a:t>Click to edit Master text styles</a:t>
             </a:r>
           </a:p>
           <a:p>
             <a:pPr lvl="1"/>
             <a:r>
-              <a:rPr lang="en-US" smtClean="0"/>
+              <a:rPr lang="en-US"/>
               <a:t>Second level</a:t>
             </a:r>
           </a:p>
           <a:p>
             <a:pPr lvl="2"/>
             <a:r>
-              <a:rPr lang="en-US" smtClean="0"/>
+              <a:rPr lang="en-US"/>
               <a:t>Third level</a:t>
             </a:r>
           </a:p>
           <a:p>
             <a:pPr lvl="3"/>
             <a:r>
-              <a:rPr lang="en-US" smtClean="0"/>
+              <a:rPr lang="en-US"/>
               <a:t>Fourth level</a:t>
             </a:r>
           </a:p>
           <a:p>
             <a:pPr lvl="4"/>
             <a:r>
-              <a:rPr lang="en-US" smtClean="0"/>
+              <a:rPr lang="en-US"/>
               <a:t>Fifth level</a:t>
             </a:r>
-            <a:endParaRPr lang="en-US"/>
           </a:p>
         </p:txBody>
       </p:sp>
@@ -2768,7 +2773,7 @@
           </a:lstStyle>
           <a:p>
             <a:r>
-              <a:rPr lang="en-US" smtClean="0"/>
+              <a:rPr lang="en-US"/>
               <a:t>Click to edit Master title style</a:t>
             </a:r>
             <a:endParaRPr lang="en-US" dirty="0"/>
@@ -2833,7 +2838,7 @@
           </a:lstStyle>
           <a:p>
             <a:r>
-              <a:rPr lang="en-US" smtClean="0"/>
+              <a:rPr lang="en-US"/>
               <a:t>Click icon to add picture</a:t>
             </a:r>
             <a:endParaRPr lang="en-US" dirty="0"/>
@@ -2901,7 +2906,7 @@
           <a:p>
             <a:pPr lvl="0"/>
             <a:r>
-              <a:rPr lang="en-US" smtClean="0"/>
+              <a:rPr lang="en-US"/>
               <a:t>Click to edit Master text styles</a:t>
             </a:r>
           </a:p>
@@ -2924,7 +2929,7 @@
           <a:p>
             <a:fld id="{5B2B69B6-2ACE-9340-8A47-75CA55B83E31}" type="datetimeFigureOut">
               <a:rPr lang="en-US" smtClean="0"/>
-              <a:t>10/25/2019</a:t>
+              <a:t>10/25/19</a:t>
             </a:fld>
             <a:endParaRPr lang="en-US"/>
           </a:p>
@@ -3028,7 +3033,7 @@
           <a:lstStyle/>
           <a:p>
             <a:r>
-              <a:rPr lang="en-US" smtClean="0"/>
+              <a:rPr lang="en-US"/>
               <a:t>Click to edit Master title style</a:t>
             </a:r>
             <a:endParaRPr lang="en-US" dirty="0"/>
@@ -3062,35 +3067,35 @@
           <a:p>
             <a:pPr lvl="0"/>
             <a:r>
-              <a:rPr lang="en-US" smtClean="0"/>
+              <a:rPr lang="en-US"/>
               <a:t>Click to edit Master text styles</a:t>
             </a:r>
           </a:p>
           <a:p>
             <a:pPr lvl="1"/>
             <a:r>
-              <a:rPr lang="en-US" smtClean="0"/>
+              <a:rPr lang="en-US"/>
               <a:t>Second level</a:t>
             </a:r>
           </a:p>
           <a:p>
             <a:pPr lvl="2"/>
             <a:r>
-              <a:rPr lang="en-US" smtClean="0"/>
+              <a:rPr lang="en-US"/>
               <a:t>Third level</a:t>
             </a:r>
           </a:p>
           <a:p>
             <a:pPr lvl="3"/>
             <a:r>
-              <a:rPr lang="en-US" smtClean="0"/>
+              <a:rPr lang="en-US"/>
               <a:t>Fourth level</a:t>
             </a:r>
           </a:p>
           <a:p>
             <a:pPr lvl="4"/>
             <a:r>
-              <a:rPr lang="en-US" smtClean="0"/>
+              <a:rPr lang="en-US"/>
               <a:t>Fifth level</a:t>
             </a:r>
             <a:endParaRPr lang="en-US" dirty="0"/>
@@ -3303,7 +3308,7 @@
           <a:p>
             <a:fld id="{5B2B69B6-2ACE-9340-8A47-75CA55B83E31}" type="datetimeFigureOut">
               <a:rPr lang="en-US" smtClean="0"/>
-              <a:t>10/25/2019</a:t>
+              <a:t>10/25/19</a:t>
             </a:fld>
             <a:endParaRPr lang="en-US"/>
           </a:p>
@@ -3631,7 +3636,7 @@
           <p:cNvPr id="2" name="Title 1">
             <a:extLst>
               <a:ext uri="{FF2B5EF4-FFF2-40B4-BE49-F238E27FC236}">
-                <a16:creationId xmlns="" xmlns:a16="http://schemas.microsoft.com/office/drawing/2014/main" id="{ED506633-3905-B141-AF2B-1EE2B53B698B}"/>
+                <a16:creationId xmlns:a16="http://schemas.microsoft.com/office/drawing/2014/main" id="{ED506633-3905-B141-AF2B-1EE2B53B698B}"/>
               </a:ext>
             </a:extLst>
           </p:cNvPr>
@@ -3665,7 +3670,7 @@
           <p:cNvPr id="3" name="Subtitle 2">
             <a:extLst>
               <a:ext uri="{FF2B5EF4-FFF2-40B4-BE49-F238E27FC236}">
-                <a16:creationId xmlns="" xmlns:a16="http://schemas.microsoft.com/office/drawing/2014/main" id="{C91916C3-771D-EA42-A35B-9BA21D12A859}"/>
+                <a16:creationId xmlns:a16="http://schemas.microsoft.com/office/drawing/2014/main" id="{C91916C3-771D-EA42-A35B-9BA21D12A859}"/>
               </a:ext>
             </a:extLst>
           </p:cNvPr>
@@ -3761,25 +3766,21 @@
           <a:p>
             <a:r>
               <a:rPr lang="en-US" dirty="0"/>
-              <a:t>Correlation – ABV vs. </a:t>
-            </a:r>
-            <a:r>
-              <a:rPr lang="en-US" dirty="0" smtClean="0"/>
-              <a:t>IBU</a:t>
+              <a:t>Correlation – ABV vs. IBU</a:t>
             </a:r>
             <a:br>
-              <a:rPr lang="en-US" dirty="0" smtClean="0"/>
+              <a:rPr lang="en-US" dirty="0"/>
             </a:br>
             <a:r>
-              <a:rPr lang="en-US" sz="3200" dirty="0" smtClean="0"/>
+              <a:rPr lang="en-US" sz="3200" dirty="0"/>
               <a:t>For Beer style</a:t>
             </a:r>
             <a:r>
-              <a:rPr lang="zh-CN" altLang="en-US" sz="3200" dirty="0" smtClean="0"/>
+              <a:rPr lang="zh-CN" altLang="en-US" sz="3200" dirty="0"/>
               <a:t>：</a:t>
             </a:r>
             <a:r>
-              <a:rPr lang="en-US" altLang="zh-CN" sz="3200" dirty="0" smtClean="0"/>
+              <a:rPr lang="en-US" altLang="zh-CN" sz="3200" dirty="0"/>
               <a:t>IPA and Ale</a:t>
             </a:r>
             <a:endParaRPr lang="en-US" dirty="0"/>
@@ -3811,8 +3812,20 @@
                 <a:tableStyleId>{5C22544A-7EE6-4342-B048-85BDC9FD1C3A}</a:tableStyleId>
               </a:tblPr>
               <a:tblGrid>
-                <a:gridCol w="1698251"/>
-                <a:gridCol w="1698251"/>
+                <a:gridCol w="1698251">
+                  <a:extLst>
+                    <a:ext uri="{9D8B030D-6E8A-4147-A177-3AD203B41FA5}">
+                      <a16:colId xmlns:a16="http://schemas.microsoft.com/office/drawing/2014/main" val="20000"/>
+                    </a:ext>
+                  </a:extLst>
+                </a:gridCol>
+                <a:gridCol w="1698251">
+                  <a:extLst>
+                    <a:ext uri="{9D8B030D-6E8A-4147-A177-3AD203B41FA5}">
+                      <a16:colId xmlns:a16="http://schemas.microsoft.com/office/drawing/2014/main" val="20001"/>
+                    </a:ext>
+                  </a:extLst>
+                </a:gridCol>
               </a:tblGrid>
               <a:tr h="227864">
                 <a:tc>
@@ -3821,28 +3834,31 @@
                     <a:lstStyle/>
                     <a:p>
                       <a:r>
-                        <a:rPr lang="en-US" dirty="0" smtClean="0"/>
+                        <a:rPr lang="en-US" dirty="0"/>
                         <a:t>Beer style</a:t>
                       </a:r>
-                      <a:endParaRPr lang="en-US" dirty="0"/>
-                    </a:p>
-                  </a:txBody>
-                  <a:tcPr/>
-                </a:tc>
-                <a:tc>
-                  <a:txBody>
-                    <a:bodyPr/>
-                    <a:lstStyle/>
-                    <a:p>
-                      <a:r>
-                        <a:rPr lang="en-US" dirty="0" smtClean="0"/>
+                    </a:p>
+                  </a:txBody>
+                  <a:tcPr/>
+                </a:tc>
+                <a:tc>
+                  <a:txBody>
+                    <a:bodyPr/>
+                    <a:lstStyle/>
+                    <a:p>
+                      <a:r>
+                        <a:rPr lang="en-US" dirty="0"/>
                         <a:t>Number</a:t>
                       </a:r>
-                      <a:endParaRPr lang="en-US" dirty="0"/>
-                    </a:p>
-                  </a:txBody>
-                  <a:tcPr/>
-                </a:tc>
+                    </a:p>
+                  </a:txBody>
+                  <a:tcPr/>
+                </a:tc>
+                <a:extLst>
+                  <a:ext uri="{0D108BD9-81ED-4DB2-BD59-A6C34878D82A}">
+                    <a16:rowId xmlns:a16="http://schemas.microsoft.com/office/drawing/2014/main" val="10000"/>
+                  </a:ext>
+                </a:extLst>
               </a:tr>
               <a:tr h="315604">
                 <a:tc>
@@ -3851,21 +3867,20 @@
                     <a:lstStyle/>
                     <a:p>
                       <a:r>
-                        <a:rPr lang="en-US" dirty="0" smtClean="0"/>
+                        <a:rPr lang="en-US" dirty="0"/>
                         <a:t>IPA</a:t>
                       </a:r>
-                      <a:endParaRPr lang="en-US" dirty="0"/>
-                    </a:p>
-                  </a:txBody>
-                  <a:tcPr/>
-                </a:tc>
-                <a:tc>
-                  <a:txBody>
-                    <a:bodyPr/>
-                    <a:lstStyle/>
-                    <a:p>
-                      <a:r>
-                        <a:rPr lang="en-US" dirty="0" smtClean="0">
+                    </a:p>
+                  </a:txBody>
+                  <a:tcPr/>
+                </a:tc>
+                <a:tc>
+                  <a:txBody>
+                    <a:bodyPr/>
+                    <a:lstStyle/>
+                    <a:p>
+                      <a:r>
+                        <a:rPr lang="en-US" dirty="0">
                           <a:effectLst/>
                         </a:rPr>
                         <a:t>385</a:t>
@@ -3875,6 +3890,11 @@
                   </a:txBody>
                   <a:tcPr/>
                 </a:tc>
+                <a:extLst>
+                  <a:ext uri="{0D108BD9-81ED-4DB2-BD59-A6C34878D82A}">
+                    <a16:rowId xmlns:a16="http://schemas.microsoft.com/office/drawing/2014/main" val="10001"/>
+                  </a:ext>
+                </a:extLst>
               </a:tr>
               <a:tr h="315604">
                 <a:tc>
@@ -3883,28 +3903,31 @@
                     <a:lstStyle/>
                     <a:p>
                       <a:r>
-                        <a:rPr lang="en-US" dirty="0" smtClean="0"/>
+                        <a:rPr lang="en-US" dirty="0"/>
                         <a:t>Ale</a:t>
                       </a:r>
-                      <a:endParaRPr lang="en-US" dirty="0"/>
-                    </a:p>
-                  </a:txBody>
-                  <a:tcPr/>
-                </a:tc>
-                <a:tc>
-                  <a:txBody>
-                    <a:bodyPr/>
-                    <a:lstStyle/>
-                    <a:p>
-                      <a:r>
-                        <a:rPr lang="en-US" dirty="0" smtClean="0"/>
+                    </a:p>
+                  </a:txBody>
+                  <a:tcPr/>
+                </a:tc>
+                <a:tc>
+                  <a:txBody>
+                    <a:bodyPr/>
+                    <a:lstStyle/>
+                    <a:p>
+                      <a:r>
+                        <a:rPr lang="en-US" dirty="0"/>
                         <a:t>552</a:t>
                       </a:r>
-                      <a:endParaRPr lang="en-US" dirty="0"/>
-                    </a:p>
-                  </a:txBody>
-                  <a:tcPr/>
-                </a:tc>
+                    </a:p>
+                  </a:txBody>
+                  <a:tcPr/>
+                </a:tc>
+                <a:extLst>
+                  <a:ext uri="{0D108BD9-81ED-4DB2-BD59-A6C34878D82A}">
+                    <a16:rowId xmlns:a16="http://schemas.microsoft.com/office/drawing/2014/main" val="10002"/>
+                  </a:ext>
+                </a:extLst>
               </a:tr>
             </a:tbl>
           </a:graphicData>
@@ -4047,7 +4070,7 @@
         <p:spPr>
           <a:xfrm>
             <a:off x="3668945" y="1958302"/>
-            <a:ext cx="7538031" cy="923330"/>
+            <a:ext cx="7538031" cy="646331"/>
           </a:xfrm>
           <a:prstGeom prst="rect">
             <a:avLst/>
@@ -4065,7 +4088,7 @@
               <a:buChar char="•"/>
             </a:pPr>
             <a:r>
-              <a:rPr lang="en-US" dirty="0" smtClean="0"/>
+              <a:rPr lang="en-US" dirty="0"/>
               <a:t>From visual IPA has higher ABV and IBU values and has better correlation.</a:t>
             </a:r>
           </a:p>
@@ -4075,10 +4098,9 @@
               <a:buChar char="•"/>
             </a:pPr>
             <a:r>
-              <a:rPr lang="en-US" dirty="0" smtClean="0"/>
-              <a:t>The majority of Ale beers have both low but has more beers that has higher ABV but lower IBU.</a:t>
-            </a:r>
-            <a:endParaRPr lang="en-US" dirty="0"/>
+              <a:rPr lang="en-US" dirty="0"/>
+              <a:t>The majority of non-IPA beers tend to have lower ABV and IBU values. </a:t>
+            </a:r>
           </a:p>
         </p:txBody>
       </p:sp>
@@ -4135,11 +4157,11 @@
               <a:rPr lang="en-US" dirty="0"/>
             </a:br>
             <a:r>
-              <a:rPr lang="en-US" sz="3200" dirty="0" smtClean="0"/>
+              <a:rPr lang="en-US" sz="3200" dirty="0"/>
               <a:t>Plot Two Beer style</a:t>
             </a:r>
             <a:r>
-              <a:rPr lang="en-US" altLang="zh-CN" sz="3200" dirty="0" smtClean="0"/>
+              <a:rPr lang="en-US" altLang="zh-CN" sz="3200" dirty="0"/>
               <a:t>s</a:t>
             </a:r>
             <a:endParaRPr lang="en-US" dirty="0"/>
@@ -4239,14 +4261,19 @@
               <a:buChar char="•"/>
             </a:pPr>
             <a:r>
-              <a:rPr lang="en-US" dirty="0" smtClean="0"/>
-              <a:t>Further visual evidences reflect that the correlation ABV vs. IBU are different with Ale and IPA styles. </a:t>
-            </a:r>
-            <a:r>
-              <a:rPr lang="en-US" dirty="0" smtClean="0"/>
-              <a:t>Majority of data points are clustered in different regions too.</a:t>
-            </a:r>
-            <a:endParaRPr lang="en-US" dirty="0"/>
+              <a:rPr lang="en-US" dirty="0"/>
+              <a:t>Further visual evidences reflect that the correlation of ABV vs. IBU are different with Ale and IPA styles. </a:t>
+            </a:r>
+          </a:p>
+          <a:p>
+            <a:pPr marL="285750" indent="-285750">
+              <a:buFont typeface="Arial" pitchFamily="34" charset="0"/>
+              <a:buChar char="•"/>
+            </a:pPr>
+            <a:r>
+              <a:rPr lang="en-US" dirty="0"/>
+              <a:t>There is a visual boundary between styles at approximately 50 IBU.</a:t>
+            </a:r>
           </a:p>
         </p:txBody>
       </p:sp>
@@ -4296,18 +4323,14 @@
           <a:lstStyle/>
           <a:p>
             <a:r>
-              <a:rPr lang="en-US" sz="3200" dirty="0" smtClean="0"/>
+              <a:rPr lang="en-US" sz="3200" dirty="0"/>
               <a:t>ABV vs. IBU relationship Investigation on Two Beer Styles</a:t>
-            </a:r>
-            <a:r>
-              <a:rPr lang="en-US" dirty="0"/>
-              <a:t/>
             </a:r>
             <a:br>
               <a:rPr lang="en-US" dirty="0"/>
             </a:br>
             <a:r>
-              <a:rPr lang="en-US" sz="2400" dirty="0" smtClean="0"/>
+              <a:rPr lang="en-US" sz="2400" dirty="0"/>
               <a:t>Using KNN Clustering</a:t>
             </a:r>
             <a:endParaRPr lang="en-US" sz="4000" dirty="0"/>
@@ -4531,10 +4554,9 @@
           <a:lstStyle/>
           <a:p>
             <a:r>
-              <a:rPr lang="en-US" sz="1400" dirty="0" smtClean="0"/>
+              <a:rPr lang="en-US" sz="1400" dirty="0"/>
               <a:t>Training Data: ABV Distribution </a:t>
             </a:r>
-            <a:endParaRPr lang="en-US" sz="1400" dirty="0"/>
           </a:p>
         </p:txBody>
       </p:sp>
@@ -4561,10 +4583,9 @@
           <a:lstStyle/>
           <a:p>
             <a:r>
-              <a:rPr lang="en-US" sz="1400" dirty="0" smtClean="0"/>
+              <a:rPr lang="en-US" sz="1400" dirty="0"/>
               <a:t>Training Data: IBU Distribution </a:t>
             </a:r>
-            <a:endParaRPr lang="en-US" sz="1400" dirty="0"/>
           </a:p>
         </p:txBody>
       </p:sp>
@@ -4577,7 +4598,7 @@
         <p:spPr>
           <a:xfrm>
             <a:off x="3966925" y="1656438"/>
-            <a:ext cx="6914436" cy="1477328"/>
+            <a:ext cx="6914436" cy="1200329"/>
           </a:xfrm>
           <a:prstGeom prst="rect">
             <a:avLst/>
@@ -4595,7 +4616,7 @@
               <a:buChar char="•"/>
             </a:pPr>
             <a:r>
-              <a:rPr lang="en-US" dirty="0" smtClean="0"/>
+              <a:rPr lang="en-US" dirty="0"/>
               <a:t>Preparation for KNN clustering: Data Split into Training/Testing groups.</a:t>
             </a:r>
           </a:p>
@@ -4605,10 +4626,9 @@
               <a:buChar char="•"/>
             </a:pPr>
             <a:r>
-              <a:rPr lang="en-US" dirty="0" smtClean="0"/>
-              <a:t>Observed from histograms the distributions of Ale and IPA have apparent differences. The graphs increase our confidences to successfully differentiate the two groups.</a:t>
-            </a:r>
-            <a:endParaRPr lang="en-US" dirty="0"/>
+              <a:rPr lang="en-US" dirty="0"/>
+              <a:t>From the distributions, we can see notable differences between the two styles.</a:t>
+            </a:r>
           </a:p>
         </p:txBody>
       </p:sp>
@@ -4665,14 +4685,6 @@
               </a:rPr>
               <a:t>ABV vs. IBU relationship Investigation on Two Beer Styles</a:t>
             </a:r>
-            <a:r>
-              <a:rPr lang="en-US" dirty="0">
-                <a:solidFill>
-                  <a:srgbClr val="675E47"/>
-                </a:solidFill>
-              </a:rPr>
-              <a:t/>
-            </a:r>
             <a:br>
               <a:rPr lang="en-US" dirty="0">
                 <a:solidFill>
@@ -4681,7 +4693,7 @@
               </a:rPr>
             </a:br>
             <a:r>
-              <a:rPr lang="en-US" sz="2400" dirty="0" smtClean="0">
+              <a:rPr lang="en-US" sz="2400" dirty="0">
                 <a:solidFill>
                   <a:srgbClr val="675E47"/>
                 </a:solidFill>
@@ -4851,10 +4863,9 @@
               <a:buChar char="•"/>
             </a:pPr>
             <a:r>
-              <a:rPr lang="en-US" sz="1600" dirty="0" smtClean="0"/>
+              <a:rPr lang="en-US" sz="1600" dirty="0"/>
               <a:t>We conduct KNN with different selection of k on the dataset and evaluate the results with confusion matrix.</a:t>
             </a:r>
-            <a:endParaRPr lang="en-US" sz="1600" dirty="0"/>
           </a:p>
           <a:p>
             <a:pPr marL="285750" indent="-285750">
@@ -4862,24 +4873,8 @@
               <a:buChar char="•"/>
             </a:pPr>
             <a:r>
-              <a:rPr lang="en-US" sz="1600" dirty="0" smtClean="0"/>
-              <a:t>Accuracy(k=5) is 0.861</a:t>
-            </a:r>
-            <a:r>
               <a:rPr lang="en-US" sz="1600" dirty="0"/>
-              <a:t>, </a:t>
-            </a:r>
-            <a:r>
-              <a:rPr lang="en-US" sz="1600" dirty="0" smtClean="0"/>
-              <a:t>Accuracy(k=10) </a:t>
-            </a:r>
-            <a:r>
-              <a:rPr lang="en-US" sz="1600" dirty="0"/>
-              <a:t>is </a:t>
-            </a:r>
-            <a:r>
-              <a:rPr lang="en-US" sz="1600" dirty="0" smtClean="0"/>
-              <a:t>0.85</a:t>
+              <a:t>Accuracy(k=5) is 0.861, Accuracy(k=10) is 0.85</a:t>
             </a:r>
           </a:p>
           <a:p>
@@ -4888,10 +4883,9 @@
               <a:buChar char="•"/>
             </a:pPr>
             <a:r>
-              <a:rPr lang="en-US" sz="1600" dirty="0" smtClean="0"/>
+              <a:rPr lang="en-US" sz="1600" dirty="0"/>
               <a:t>Both have gain good results regarding accuracy, sensitivity and specificity. The selection of k=5 slightly better. </a:t>
             </a:r>
-            <a:endParaRPr lang="en-US" sz="1600" dirty="0"/>
           </a:p>
         </p:txBody>
       </p:sp>
@@ -4948,14 +4942,6 @@
               </a:rPr>
               <a:t>ABV vs. IBU relationship Investigation on Two Beer Styles</a:t>
             </a:r>
-            <a:r>
-              <a:rPr lang="en-US" dirty="0">
-                <a:solidFill>
-                  <a:srgbClr val="675E47"/>
-                </a:solidFill>
-              </a:rPr>
-              <a:t/>
-            </a:r>
             <a:br>
               <a:rPr lang="en-US" dirty="0">
                 <a:solidFill>
@@ -4969,15 +4955,7 @@
                   <a:srgbClr val="675E47"/>
                 </a:solidFill>
               </a:rPr>
-              <a:t>KNN </a:t>
-            </a:r>
-            <a:r>
-              <a:rPr lang="en-US" sz="2400" dirty="0" smtClean="0">
-                <a:solidFill>
-                  <a:srgbClr val="675E47"/>
-                </a:solidFill>
-              </a:rPr>
-              <a:t>Clustering optimal K</a:t>
+              <a:t>KNN Clustering optimal K</a:t>
             </a:r>
             <a:endParaRPr lang="en-US" dirty="0"/>
           </a:p>
@@ -5039,16 +5017,8 @@
               <a:buChar char="•"/>
             </a:pPr>
             <a:r>
-              <a:rPr lang="en-US" sz="1600" dirty="0" smtClean="0"/>
-              <a:t>The plot is generated </a:t>
-            </a:r>
-            <a:r>
               <a:rPr lang="en-US" sz="1600" dirty="0"/>
-              <a:t>from the different k-values based on the 100 different random samples</a:t>
-            </a:r>
-            <a:r>
-              <a:rPr lang="en-US" sz="1600" dirty="0" smtClean="0"/>
-              <a:t>.</a:t>
+              <a:t>The plot is generated from the different k-values based on the 100 different random samples.</a:t>
             </a:r>
           </a:p>
           <a:p>
@@ -5057,10 +5027,9 @@
               <a:buChar char="•"/>
             </a:pPr>
             <a:r>
-              <a:rPr lang="en-US" sz="1600" dirty="0" smtClean="0"/>
+              <a:rPr lang="en-US" sz="1600" dirty="0"/>
               <a:t>The optimal k with this sampling group is 5.</a:t>
             </a:r>
-            <a:endParaRPr lang="en-US" sz="1600" dirty="0"/>
           </a:p>
         </p:txBody>
       </p:sp>
@@ -5117,14 +5086,6 @@
               </a:rPr>
               <a:t>ABV vs. IBU relationship Investigation on Two Beer Styles</a:t>
             </a:r>
-            <a:r>
-              <a:rPr lang="en-US" dirty="0">
-                <a:solidFill>
-                  <a:srgbClr val="675E47"/>
-                </a:solidFill>
-              </a:rPr>
-              <a:t/>
-            </a:r>
             <a:br>
               <a:rPr lang="en-US" dirty="0">
                 <a:solidFill>
@@ -5133,7 +5094,7 @@
               </a:rPr>
             </a:br>
             <a:r>
-              <a:rPr lang="en-US" sz="2400" dirty="0" smtClean="0">
+              <a:rPr lang="en-US" sz="2400" dirty="0">
                 <a:solidFill>
                   <a:srgbClr val="675E47"/>
                 </a:solidFill>
@@ -5167,54 +5128,53 @@
           <a:lstStyle/>
           <a:p>
             <a:r>
-              <a:rPr lang="en-US" sz="1800" dirty="0" smtClean="0"/>
+              <a:rPr lang="en-US" sz="1800" dirty="0"/>
               <a:t>The classification with different methods does not show significant differences due to high accuracy levels.</a:t>
             </a:r>
           </a:p>
           <a:p>
             <a:r>
-              <a:rPr lang="en-US" sz="1800" dirty="0" smtClean="0"/>
+              <a:rPr lang="en-US" sz="1800" dirty="0"/>
               <a:t>Above all methods conducted,  </a:t>
             </a:r>
             <a:r>
-              <a:rPr lang="en-US" sz="1800" dirty="0" err="1" smtClean="0"/>
+              <a:rPr lang="en-US" sz="1800" dirty="0" err="1"/>
               <a:t>svm</a:t>
             </a:r>
             <a:r>
-              <a:rPr lang="en-US" sz="1800" dirty="0" smtClean="0"/>
+              <a:rPr lang="en-US" sz="1800" dirty="0"/>
               <a:t> and random forest shows the highest accuracy, random forest and </a:t>
             </a:r>
             <a:r>
-              <a:rPr lang="en-US" sz="1800" dirty="0" err="1" smtClean="0"/>
+              <a:rPr lang="en-US" sz="1800" dirty="0" err="1"/>
               <a:t>naïveBayes</a:t>
             </a:r>
             <a:r>
-              <a:rPr lang="en-US" sz="1800" dirty="0" smtClean="0"/>
+              <a:rPr lang="en-US" sz="1800" dirty="0"/>
               <a:t> show highest sensitivity, </a:t>
             </a:r>
             <a:r>
-              <a:rPr lang="en-US" sz="1800" dirty="0" err="1" smtClean="0"/>
+              <a:rPr lang="en-US" sz="1800" dirty="0" err="1"/>
               <a:t>svm</a:t>
             </a:r>
             <a:r>
-              <a:rPr lang="en-US" sz="1800" dirty="0" smtClean="0"/>
+              <a:rPr lang="en-US" sz="1800" dirty="0"/>
               <a:t> shows highest specificity.</a:t>
             </a:r>
           </a:p>
           <a:p>
             <a:r>
-              <a:rPr lang="en-US" sz="1800" dirty="0" smtClean="0"/>
+              <a:rPr lang="en-US" sz="1800" dirty="0"/>
               <a:t>By clustering the dataset with </a:t>
             </a:r>
             <a:r>
-              <a:rPr lang="en-US" sz="1800" dirty="0" err="1" smtClean="0"/>
+              <a:rPr lang="en-US" sz="1800" dirty="0" err="1"/>
               <a:t>Kmeans</a:t>
             </a:r>
             <a:r>
-              <a:rPr lang="en-US" sz="1800" dirty="0" smtClean="0"/>
+              <a:rPr lang="en-US" sz="1800" dirty="0"/>
               <a:t> we can also get a high accuracy which indicate further the two groups are easy to differentiate. </a:t>
             </a:r>
-            <a:endParaRPr lang="en-US" sz="1800" dirty="0"/>
           </a:p>
         </p:txBody>
       </p:sp>
@@ -5243,10 +5203,34 @@
                 <a:tableStyleId>{5C22544A-7EE6-4342-B048-85BDC9FD1C3A}</a:tableStyleId>
               </a:tblPr>
               <a:tblGrid>
-                <a:gridCol w="1218594"/>
-                <a:gridCol w="1218594"/>
-                <a:gridCol w="1218594"/>
-                <a:gridCol w="1083195"/>
+                <a:gridCol w="1218594">
+                  <a:extLst>
+                    <a:ext uri="{9D8B030D-6E8A-4147-A177-3AD203B41FA5}">
+                      <a16:colId xmlns:a16="http://schemas.microsoft.com/office/drawing/2014/main" val="20000"/>
+                    </a:ext>
+                  </a:extLst>
+                </a:gridCol>
+                <a:gridCol w="1218594">
+                  <a:extLst>
+                    <a:ext uri="{9D8B030D-6E8A-4147-A177-3AD203B41FA5}">
+                      <a16:colId xmlns:a16="http://schemas.microsoft.com/office/drawing/2014/main" val="20001"/>
+                    </a:ext>
+                  </a:extLst>
+                </a:gridCol>
+                <a:gridCol w="1218594">
+                  <a:extLst>
+                    <a:ext uri="{9D8B030D-6E8A-4147-A177-3AD203B41FA5}">
+                      <a16:colId xmlns:a16="http://schemas.microsoft.com/office/drawing/2014/main" val="20002"/>
+                    </a:ext>
+                  </a:extLst>
+                </a:gridCol>
+                <a:gridCol w="1083195">
+                  <a:extLst>
+                    <a:ext uri="{9D8B030D-6E8A-4147-A177-3AD203B41FA5}">
+                      <a16:colId xmlns:a16="http://schemas.microsoft.com/office/drawing/2014/main" val="20003"/>
+                    </a:ext>
+                  </a:extLst>
+                </a:gridCol>
               </a:tblGrid>
               <a:tr h="484746">
                 <a:tc>
@@ -5255,56 +5239,57 @@
                     <a:lstStyle/>
                     <a:p>
                       <a:r>
-                        <a:rPr lang="en-US" sz="1600" dirty="0" smtClean="0"/>
+                        <a:rPr lang="en-US" sz="1600" dirty="0"/>
                         <a:t>Method</a:t>
                       </a:r>
-                      <a:endParaRPr lang="en-US" sz="1600" dirty="0"/>
-                    </a:p>
-                  </a:txBody>
-                  <a:tcPr/>
-                </a:tc>
-                <a:tc>
-                  <a:txBody>
-                    <a:bodyPr/>
-                    <a:lstStyle/>
-                    <a:p>
-                      <a:r>
-                        <a:rPr lang="en-US" sz="1600" dirty="0" smtClean="0"/>
+                    </a:p>
+                  </a:txBody>
+                  <a:tcPr/>
+                </a:tc>
+                <a:tc>
+                  <a:txBody>
+                    <a:bodyPr/>
+                    <a:lstStyle/>
+                    <a:p>
+                      <a:r>
+                        <a:rPr lang="en-US" sz="1600" dirty="0"/>
                         <a:t>Accuracy</a:t>
                       </a:r>
-                      <a:endParaRPr lang="en-US" sz="1600" dirty="0"/>
-                    </a:p>
-                  </a:txBody>
-                  <a:tcPr/>
-                </a:tc>
-                <a:tc>
-                  <a:txBody>
-                    <a:bodyPr/>
-                    <a:lstStyle/>
-                    <a:p>
-                      <a:r>
-                        <a:rPr lang="en-US" sz="1600" dirty="0" smtClean="0"/>
+                    </a:p>
+                  </a:txBody>
+                  <a:tcPr/>
+                </a:tc>
+                <a:tc>
+                  <a:txBody>
+                    <a:bodyPr/>
+                    <a:lstStyle/>
+                    <a:p>
+                      <a:r>
+                        <a:rPr lang="en-US" sz="1600" dirty="0"/>
                         <a:t>Sensitivity</a:t>
                       </a:r>
-                      <a:endParaRPr lang="en-US" sz="1600" dirty="0"/>
-                    </a:p>
-                  </a:txBody>
-                  <a:tcPr/>
-                </a:tc>
-                <a:tc>
-                  <a:txBody>
-                    <a:bodyPr/>
-                    <a:lstStyle/>
-                    <a:p>
-                      <a:r>
-                        <a:rPr lang="en-US" sz="1600" dirty="0" smtClean="0"/>
+                    </a:p>
+                  </a:txBody>
+                  <a:tcPr/>
+                </a:tc>
+                <a:tc>
+                  <a:txBody>
+                    <a:bodyPr/>
+                    <a:lstStyle/>
+                    <a:p>
+                      <a:r>
+                        <a:rPr lang="en-US" sz="1600" dirty="0"/>
                         <a:t>Specificity</a:t>
                       </a:r>
-                      <a:endParaRPr lang="en-US" sz="1600" dirty="0"/>
-                    </a:p>
-                  </a:txBody>
-                  <a:tcPr/>
-                </a:tc>
+                    </a:p>
+                  </a:txBody>
+                  <a:tcPr/>
+                </a:tc>
+                <a:extLst>
+                  <a:ext uri="{0D108BD9-81ED-4DB2-BD59-A6C34878D82A}">
+                    <a16:rowId xmlns:a16="http://schemas.microsoft.com/office/drawing/2014/main" val="10000"/>
+                  </a:ext>
+                </a:extLst>
               </a:tr>
               <a:tr h="484746">
                 <a:tc>
@@ -5313,21 +5298,20 @@
                     <a:lstStyle/>
                     <a:p>
                       <a:r>
-                        <a:rPr lang="en-US" dirty="0" smtClean="0"/>
+                        <a:rPr lang="en-US" dirty="0"/>
                         <a:t>KNN</a:t>
                       </a:r>
-                      <a:endParaRPr lang="en-US" dirty="0"/>
-                    </a:p>
-                  </a:txBody>
-                  <a:tcPr/>
-                </a:tc>
-                <a:tc>
-                  <a:txBody>
-                    <a:bodyPr/>
-                    <a:lstStyle/>
-                    <a:p>
-                      <a:r>
-                        <a:rPr lang="en-US" dirty="0" smtClean="0">
+                    </a:p>
+                  </a:txBody>
+                  <a:tcPr/>
+                </a:tc>
+                <a:tc>
+                  <a:txBody>
+                    <a:bodyPr/>
+                    <a:lstStyle/>
+                    <a:p>
+                      <a:r>
+                        <a:rPr lang="en-US" dirty="0">
                           <a:effectLst/>
                         </a:rPr>
                         <a:t>0.861</a:t>
@@ -5343,7 +5327,7 @@
                     <a:lstStyle/>
                     <a:p>
                       <a:r>
-                        <a:rPr lang="en-US" dirty="0" smtClean="0">
+                        <a:rPr lang="en-US" dirty="0">
                           <a:effectLst/>
                         </a:rPr>
                         <a:t>0.867</a:t>
@@ -5359,7 +5343,7 @@
                     <a:lstStyle/>
                     <a:p>
                       <a:r>
-                        <a:rPr lang="en-US" dirty="0" smtClean="0">
+                        <a:rPr lang="en-US" dirty="0">
                           <a:effectLst/>
                         </a:rPr>
                         <a:t>0.85</a:t>
@@ -5369,6 +5353,11 @@
                   </a:txBody>
                   <a:tcPr/>
                 </a:tc>
+                <a:extLst>
+                  <a:ext uri="{0D108BD9-81ED-4DB2-BD59-A6C34878D82A}">
+                    <a16:rowId xmlns:a16="http://schemas.microsoft.com/office/drawing/2014/main" val="10001"/>
+                  </a:ext>
+                </a:extLst>
               </a:tr>
               <a:tr h="484746">
                 <a:tc>
@@ -5377,7 +5366,7 @@
                     <a:lstStyle/>
                     <a:p>
                       <a:r>
-                        <a:rPr lang="en-US" dirty="0" err="1" smtClean="0"/>
+                        <a:rPr lang="en-US" dirty="0" err="1"/>
                         <a:t>naiveBayes</a:t>
                       </a:r>
                       <a:endParaRPr lang="en-US" dirty="0"/>
@@ -5391,7 +5380,7 @@
                     <a:lstStyle/>
                     <a:p>
                       <a:r>
-                        <a:rPr lang="en-US" dirty="0" smtClean="0">
+                        <a:rPr lang="en-US" dirty="0">
                           <a:effectLst/>
                         </a:rPr>
                         <a:t>0.871</a:t>
@@ -5407,7 +5396,7 @@
                     <a:lstStyle/>
                     <a:p>
                       <a:r>
-                        <a:rPr lang="en-US" dirty="0" smtClean="0">
+                        <a:rPr lang="en-US" dirty="0">
                           <a:effectLst/>
                         </a:rPr>
                         <a:t>0.907</a:t>
@@ -5423,7 +5412,7 @@
                     <a:lstStyle/>
                     <a:p>
                       <a:r>
-                        <a:rPr lang="en-US" dirty="0" smtClean="0">
+                        <a:rPr lang="en-US" dirty="0">
                           <a:effectLst/>
                         </a:rPr>
                         <a:t>0.817</a:t>
@@ -5433,6 +5422,11 @@
                   </a:txBody>
                   <a:tcPr/>
                 </a:tc>
+                <a:extLst>
+                  <a:ext uri="{0D108BD9-81ED-4DB2-BD59-A6C34878D82A}">
+                    <a16:rowId xmlns:a16="http://schemas.microsoft.com/office/drawing/2014/main" val="10002"/>
+                  </a:ext>
+                </a:extLst>
               </a:tr>
               <a:tr h="484746">
                 <a:tc>
@@ -5441,7 +5435,7 @@
                     <a:lstStyle/>
                     <a:p>
                       <a:r>
-                        <a:rPr lang="en-US" dirty="0" err="1" smtClean="0"/>
+                        <a:rPr lang="en-US" dirty="0" err="1"/>
                         <a:t>svm</a:t>
                       </a:r>
                       <a:endParaRPr lang="en-US" dirty="0"/>
@@ -5455,7 +5449,7 @@
                     <a:lstStyle/>
                     <a:p>
                       <a:r>
-                        <a:rPr lang="en-US" dirty="0" smtClean="0">
+                        <a:rPr lang="en-US" dirty="0">
                           <a:effectLst/>
                         </a:rPr>
                         <a:t>0.882</a:t>
@@ -5471,7 +5465,7 @@
                     <a:lstStyle/>
                     <a:p>
                       <a:r>
-                        <a:rPr lang="en-US" dirty="0" smtClean="0">
+                        <a:rPr lang="en-US" dirty="0">
                           <a:effectLst/>
                         </a:rPr>
                         <a:t>0.884</a:t>
@@ -5487,7 +5481,7 @@
                     <a:lstStyle/>
                     <a:p>
                       <a:r>
-                        <a:rPr lang="en-US" dirty="0" smtClean="0">
+                        <a:rPr lang="en-US" dirty="0">
                           <a:effectLst/>
                         </a:rPr>
                         <a:t>0.878</a:t>
@@ -5497,6 +5491,11 @@
                   </a:txBody>
                   <a:tcPr/>
                 </a:tc>
+                <a:extLst>
+                  <a:ext uri="{0D108BD9-81ED-4DB2-BD59-A6C34878D82A}">
+                    <a16:rowId xmlns:a16="http://schemas.microsoft.com/office/drawing/2014/main" val="10003"/>
+                  </a:ext>
+                </a:extLst>
               </a:tr>
               <a:tr h="484746">
                 <a:tc>
@@ -5505,21 +5504,20 @@
                     <a:lstStyle/>
                     <a:p>
                       <a:r>
-                        <a:rPr lang="en-US" dirty="0" smtClean="0"/>
+                        <a:rPr lang="en-US" dirty="0"/>
                         <a:t>Random forest</a:t>
                       </a:r>
-                      <a:endParaRPr lang="en-US" dirty="0"/>
-                    </a:p>
-                  </a:txBody>
-                  <a:tcPr/>
-                </a:tc>
-                <a:tc>
-                  <a:txBody>
-                    <a:bodyPr/>
-                    <a:lstStyle/>
-                    <a:p>
-                      <a:r>
-                        <a:rPr lang="en-US" dirty="0" smtClean="0">
+                    </a:p>
+                  </a:txBody>
+                  <a:tcPr/>
+                </a:tc>
+                <a:tc>
+                  <a:txBody>
+                    <a:bodyPr/>
+                    <a:lstStyle/>
+                    <a:p>
+                      <a:r>
+                        <a:rPr lang="en-US" dirty="0">
                           <a:effectLst/>
                         </a:rPr>
                         <a:t>0.875</a:t>
@@ -5535,7 +5533,7 @@
                     <a:lstStyle/>
                     <a:p>
                       <a:r>
-                        <a:rPr lang="en-US" dirty="0" smtClean="0">
+                        <a:rPr lang="en-US" dirty="0">
                           <a:effectLst/>
                         </a:rPr>
                         <a:t>0.907</a:t>
@@ -5551,7 +5549,7 @@
                     <a:lstStyle/>
                     <a:p>
                       <a:r>
-                        <a:rPr lang="en-US" dirty="0" smtClean="0">
+                        <a:rPr lang="en-US" dirty="0">
                           <a:effectLst/>
                         </a:rPr>
                         <a:t>0.826</a:t>
@@ -5561,6 +5559,11 @@
                   </a:txBody>
                   <a:tcPr/>
                 </a:tc>
+                <a:extLst>
+                  <a:ext uri="{0D108BD9-81ED-4DB2-BD59-A6C34878D82A}">
+                    <a16:rowId xmlns:a16="http://schemas.microsoft.com/office/drawing/2014/main" val="10004"/>
+                  </a:ext>
+                </a:extLst>
               </a:tr>
               <a:tr h="484746">
                 <a:tc>
@@ -5569,7 +5572,7 @@
                     <a:lstStyle/>
                     <a:p>
                       <a:r>
-                        <a:rPr lang="en-US" dirty="0" err="1" smtClean="0"/>
+                        <a:rPr lang="en-US" dirty="0" err="1"/>
                         <a:t>xgboost</a:t>
                       </a:r>
                       <a:endParaRPr lang="en-US" dirty="0"/>
@@ -5583,7 +5586,7 @@
                     <a:lstStyle/>
                     <a:p>
                       <a:r>
-                        <a:rPr lang="en-US" dirty="0" smtClean="0">
+                        <a:rPr lang="en-US" dirty="0">
                           <a:effectLst/>
                         </a:rPr>
                         <a:t>0.861</a:t>
@@ -5599,7 +5602,7 @@
                     <a:lstStyle/>
                     <a:p>
                       <a:r>
-                        <a:rPr lang="en-US" dirty="0" smtClean="0">
+                        <a:rPr lang="en-US" dirty="0">
                           <a:effectLst/>
                         </a:rPr>
                         <a:t>0.855 </a:t>
@@ -5615,7 +5618,7 @@
                     <a:lstStyle/>
                     <a:p>
                       <a:r>
-                        <a:rPr lang="en-US" dirty="0" smtClean="0">
+                        <a:rPr lang="en-US" dirty="0">
                           <a:effectLst/>
                         </a:rPr>
                         <a:t>0.87 </a:t>
@@ -5625,6 +5628,11 @@
                   </a:txBody>
                   <a:tcPr/>
                 </a:tc>
+                <a:extLst>
+                  <a:ext uri="{0D108BD9-81ED-4DB2-BD59-A6C34878D82A}">
+                    <a16:rowId xmlns:a16="http://schemas.microsoft.com/office/drawing/2014/main" val="10005"/>
+                  </a:ext>
+                </a:extLst>
               </a:tr>
               <a:tr h="484746">
                 <a:tc>
@@ -5633,16 +5641,38 @@
                     <a:lstStyle/>
                     <a:p>
                       <a:r>
-                        <a:rPr lang="en-US" dirty="0" err="1" smtClean="0"/>
+                        <a:rPr lang="en-US" dirty="0" err="1"/>
                         <a:t>Kmeans</a:t>
                       </a:r>
-                      <a:endParaRPr lang="en-US" dirty="0" smtClean="0"/>
-                    </a:p>
-                    <a:p>
-                      <a:r>
-                        <a:rPr lang="en-US" dirty="0" smtClean="0"/>
+                      <a:endParaRPr lang="en-US" dirty="0"/>
+                    </a:p>
+                    <a:p>
+                      <a:r>
+                        <a:rPr lang="en-US" dirty="0"/>
                         <a:t>Cluster</a:t>
                       </a:r>
+                    </a:p>
+                  </a:txBody>
+                  <a:tcPr/>
+                </a:tc>
+                <a:tc>
+                  <a:txBody>
+                    <a:bodyPr/>
+                    <a:lstStyle/>
+                    <a:p>
+                      <a:r>
+                        <a:rPr lang="en-US" dirty="0"/>
+                        <a:t>0.841</a:t>
+                      </a:r>
+                    </a:p>
+                  </a:txBody>
+                  <a:tcPr/>
+                </a:tc>
+                <a:tc>
+                  <a:txBody>
+                    <a:bodyPr/>
+                    <a:lstStyle/>
+                    <a:p>
                       <a:endParaRPr lang="en-US" dirty="0"/>
                     </a:p>
                   </a:txBody>
@@ -5653,35 +5683,16 @@
                     <a:bodyPr/>
                     <a:lstStyle/>
                     <a:p>
-                      <a:r>
-                        <a:rPr lang="en-US" dirty="0" smtClean="0"/>
-                        <a:t>0.841</a:t>
-                      </a:r>
                       <a:endParaRPr lang="en-US" dirty="0"/>
                     </a:p>
                   </a:txBody>
                   <a:tcPr/>
                 </a:tc>
-                <a:tc>
-                  <a:txBody>
-                    <a:bodyPr/>
-                    <a:lstStyle/>
-                    <a:p>
-                      <a:endParaRPr lang="en-US" dirty="0"/>
-                    </a:p>
-                  </a:txBody>
-                  <a:tcPr/>
-                </a:tc>
-                <a:tc>
-                  <a:txBody>
-                    <a:bodyPr/>
-                    <a:lstStyle/>
-                    <a:p>
-                      <a:endParaRPr lang="en-US" dirty="0"/>
-                    </a:p>
-                  </a:txBody>
-                  <a:tcPr/>
-                </a:tc>
+                <a:extLst>
+                  <a:ext uri="{0D108BD9-81ED-4DB2-BD59-A6C34878D82A}">
+                    <a16:rowId xmlns:a16="http://schemas.microsoft.com/office/drawing/2014/main" val="10006"/>
+                  </a:ext>
+                </a:extLst>
               </a:tr>
             </a:tbl>
           </a:graphicData>
@@ -5733,45 +5744,24 @@
           <a:lstStyle/>
           <a:p>
             <a:r>
-              <a:rPr lang="en-US" sz="3600" dirty="0" smtClean="0"/>
+              <a:rPr lang="en-US" sz="3600" dirty="0"/>
               <a:t>Which state to launch our next </a:t>
             </a:r>
             <a:r>
-              <a:rPr lang="en-US" sz="3600" dirty="0" err="1" smtClean="0"/>
+              <a:rPr lang="en-US" sz="3600" dirty="0" err="1"/>
               <a:t>Budeweiser</a:t>
             </a:r>
             <a:r>
-              <a:rPr lang="en-US" sz="3600" dirty="0" smtClean="0"/>
+              <a:rPr lang="en-US" sz="3600" dirty="0"/>
               <a:t> IPA?</a:t>
-            </a:r>
-            <a:r>
-              <a:rPr lang="en-US" sz="3600" dirty="0"/>
-              <a:t/>
             </a:r>
             <a:br>
               <a:rPr lang="en-US" sz="3600" dirty="0"/>
             </a:br>
             <a:r>
-              <a:rPr lang="en-US" sz="2800" dirty="0" smtClean="0"/>
-              <a:t> </a:t>
-            </a:r>
-            <a:r>
               <a:rPr lang="en-US" sz="2800" dirty="0"/>
-              <a:t>C</a:t>
-            </a:r>
-            <a:r>
-              <a:rPr lang="en-US" sz="2800" dirty="0" smtClean="0"/>
-              <a:t>ount </a:t>
-            </a:r>
-            <a:r>
-              <a:rPr lang="en-US" sz="2800" dirty="0"/>
-              <a:t>% IPA per total craft beers in each </a:t>
-            </a:r>
-            <a:r>
-              <a:rPr lang="en-US" sz="2800" dirty="0" smtClean="0"/>
-              <a:t>state</a:t>
-            </a:r>
-            <a:endParaRPr lang="en-US" sz="2800" dirty="0"/>
+              <a:t> Count % IPA per total craft beers in each state</a:t>
+            </a:r>
           </a:p>
         </p:txBody>
       </p:sp>
@@ -5792,20 +5782,33 @@
           </a:xfrm>
         </p:spPr>
         <p:txBody>
-          <a:bodyPr/>
+          <a:bodyPr>
+            <a:normAutofit fontScale="92500" lnSpcReduction="10000"/>
+          </a:bodyPr>
           <a:lstStyle/>
           <a:p>
             <a:r>
-              <a:rPr lang="en-US" dirty="0" smtClean="0"/>
-              <a:t>By counting the IPA style out of all styles we can get the information regional fondness of style and recognize the states with highest IPA percentages.</a:t>
-            </a:r>
-          </a:p>
-          <a:p>
-            <a:r>
-              <a:rPr lang="en-US" dirty="0" smtClean="0"/>
-              <a:t>However some states has very few counts of styles, maybe due to less population. We need to include this factor into our consideration.</a:t>
-            </a:r>
-            <a:endParaRPr lang="en-US" dirty="0"/>
+              <a:rPr lang="en-US" dirty="0"/>
+              <a:t>These are the states with the highest IPA market share in state breweries.</a:t>
+            </a:r>
+          </a:p>
+          <a:p>
+            <a:r>
+              <a:rPr lang="en-US" dirty="0"/>
+              <a:t>Something interesting, is that we notice less populated states top the list.</a:t>
+            </a:r>
+          </a:p>
+          <a:p>
+            <a:r>
+              <a:rPr lang="en-US" dirty="0"/>
+              <a:t>That could mean less marketed consumers if we abide purely by the “market share” idea.</a:t>
+            </a:r>
+          </a:p>
+          <a:p>
+            <a:r>
+              <a:rPr lang="en-US" dirty="0"/>
+              <a:t>How can we “normalize” our data for state population?</a:t>
+            </a:r>
           </a:p>
         </p:txBody>
       </p:sp>
@@ -5834,9 +5837,27 @@
                 <a:tableStyleId>{5C22544A-7EE6-4342-B048-85BDC9FD1C3A}</a:tableStyleId>
               </a:tblPr>
               <a:tblGrid>
-                <a:gridCol w="1202244"/>
-                <a:gridCol w="1202244"/>
-                <a:gridCol w="1202244"/>
+                <a:gridCol w="1202244">
+                  <a:extLst>
+                    <a:ext uri="{9D8B030D-6E8A-4147-A177-3AD203B41FA5}">
+                      <a16:colId xmlns:a16="http://schemas.microsoft.com/office/drawing/2014/main" val="20000"/>
+                    </a:ext>
+                  </a:extLst>
+                </a:gridCol>
+                <a:gridCol w="1202244">
+                  <a:extLst>
+                    <a:ext uri="{9D8B030D-6E8A-4147-A177-3AD203B41FA5}">
+                      <a16:colId xmlns:a16="http://schemas.microsoft.com/office/drawing/2014/main" val="20001"/>
+                    </a:ext>
+                  </a:extLst>
+                </a:gridCol>
+                <a:gridCol w="1202244">
+                  <a:extLst>
+                    <a:ext uri="{9D8B030D-6E8A-4147-A177-3AD203B41FA5}">
+                      <a16:colId xmlns:a16="http://schemas.microsoft.com/office/drawing/2014/main" val="20002"/>
+                    </a:ext>
+                  </a:extLst>
+                </a:gridCol>
               </a:tblGrid>
               <a:tr h="335212">
                 <a:tc>
@@ -5845,42 +5866,44 @@
                     <a:lstStyle/>
                     <a:p>
                       <a:r>
-                        <a:rPr lang="en-US" dirty="0" smtClean="0"/>
+                        <a:rPr lang="en-US" dirty="0"/>
                         <a:t>State</a:t>
                       </a:r>
-                      <a:endParaRPr lang="en-US" dirty="0"/>
-                    </a:p>
-                  </a:txBody>
-                  <a:tcPr/>
-                </a:tc>
-                <a:tc>
-                  <a:txBody>
-                    <a:bodyPr/>
-                    <a:lstStyle/>
-                    <a:p>
-                      <a:r>
-                        <a:rPr lang="en-US" dirty="0" smtClean="0"/>
+                    </a:p>
+                  </a:txBody>
+                  <a:tcPr/>
+                </a:tc>
+                <a:tc>
+                  <a:txBody>
+                    <a:bodyPr/>
+                    <a:lstStyle/>
+                    <a:p>
+                      <a:r>
+                        <a:rPr lang="en-US" dirty="0"/>
                         <a:t>%</a:t>
                       </a:r>
-                      <a:endParaRPr lang="en-US" dirty="0"/>
-                    </a:p>
-                  </a:txBody>
-                  <a:tcPr/>
-                </a:tc>
-                <a:tc>
-                  <a:txBody>
-                    <a:bodyPr/>
-                    <a:lstStyle/>
-                    <a:p>
-                      <a:r>
-                        <a:rPr lang="en-US" dirty="0" smtClean="0"/>
+                    </a:p>
+                  </a:txBody>
+                  <a:tcPr/>
+                </a:tc>
+                <a:tc>
+                  <a:txBody>
+                    <a:bodyPr/>
+                    <a:lstStyle/>
+                    <a:p>
+                      <a:r>
+                        <a:rPr lang="en-US" dirty="0"/>
                         <a:t>Count</a:t>
                       </a:r>
-                      <a:endParaRPr lang="en-US" dirty="0"/>
-                    </a:p>
-                  </a:txBody>
-                  <a:tcPr/>
-                </a:tc>
+                    </a:p>
+                  </a:txBody>
+                  <a:tcPr/>
+                </a:tc>
+                <a:extLst>
+                  <a:ext uri="{0D108BD9-81ED-4DB2-BD59-A6C34878D82A}">
+                    <a16:rowId xmlns:a16="http://schemas.microsoft.com/office/drawing/2014/main" val="10000"/>
+                  </a:ext>
+                </a:extLst>
               </a:tr>
               <a:tr h="335212">
                 <a:tc>
@@ -5889,42 +5912,44 @@
                     <a:lstStyle/>
                     <a:p>
                       <a:r>
-                        <a:rPr lang="en-US" dirty="0" smtClean="0"/>
+                        <a:rPr lang="en-US" dirty="0"/>
                         <a:t>DE</a:t>
                       </a:r>
-                      <a:endParaRPr lang="en-US" dirty="0"/>
-                    </a:p>
-                  </a:txBody>
-                  <a:tcPr/>
-                </a:tc>
-                <a:tc>
-                  <a:txBody>
-                    <a:bodyPr/>
-                    <a:lstStyle/>
-                    <a:p>
-                      <a:r>
-                        <a:rPr lang="en-US" dirty="0" smtClean="0"/>
+                    </a:p>
+                  </a:txBody>
+                  <a:tcPr/>
+                </a:tc>
+                <a:tc>
+                  <a:txBody>
+                    <a:bodyPr/>
+                    <a:lstStyle/>
+                    <a:p>
+                      <a:r>
+                        <a:rPr lang="en-US" dirty="0"/>
                         <a:t>50</a:t>
                       </a:r>
-                      <a:endParaRPr lang="en-US" dirty="0"/>
-                    </a:p>
-                  </a:txBody>
-                  <a:tcPr/>
-                </a:tc>
-                <a:tc>
-                  <a:txBody>
-                    <a:bodyPr/>
-                    <a:lstStyle/>
-                    <a:p>
-                      <a:r>
-                        <a:rPr lang="en-US" dirty="0" smtClean="0"/>
+                    </a:p>
+                  </a:txBody>
+                  <a:tcPr/>
+                </a:tc>
+                <a:tc>
+                  <a:txBody>
+                    <a:bodyPr/>
+                    <a:lstStyle/>
+                    <a:p>
+                      <a:r>
+                        <a:rPr lang="en-US" dirty="0"/>
                         <a:t>1</a:t>
                       </a:r>
-                      <a:endParaRPr lang="en-US" dirty="0"/>
-                    </a:p>
-                  </a:txBody>
-                  <a:tcPr/>
-                </a:tc>
+                    </a:p>
+                  </a:txBody>
+                  <a:tcPr/>
+                </a:tc>
+                <a:extLst>
+                  <a:ext uri="{0D108BD9-81ED-4DB2-BD59-A6C34878D82A}">
+                    <a16:rowId xmlns:a16="http://schemas.microsoft.com/office/drawing/2014/main" val="10001"/>
+                  </a:ext>
+                </a:extLst>
               </a:tr>
               <a:tr h="335212">
                 <a:tc>
@@ -5933,42 +5958,44 @@
                     <a:lstStyle/>
                     <a:p>
                       <a:r>
-                        <a:rPr lang="en-US" dirty="0" smtClean="0"/>
+                        <a:rPr lang="en-US" dirty="0"/>
                         <a:t>NJ</a:t>
                       </a:r>
-                      <a:endParaRPr lang="en-US" dirty="0"/>
-                    </a:p>
-                  </a:txBody>
-                  <a:tcPr/>
-                </a:tc>
-                <a:tc>
-                  <a:txBody>
-                    <a:bodyPr/>
-                    <a:lstStyle/>
-                    <a:p>
-                      <a:r>
-                        <a:rPr lang="en-US" dirty="0" smtClean="0"/>
+                    </a:p>
+                  </a:txBody>
+                  <a:tcPr/>
+                </a:tc>
+                <a:tc>
+                  <a:txBody>
+                    <a:bodyPr/>
+                    <a:lstStyle/>
+                    <a:p>
+                      <a:r>
+                        <a:rPr lang="en-US" dirty="0"/>
                         <a:t>50</a:t>
                       </a:r>
-                      <a:endParaRPr lang="en-US" dirty="0"/>
-                    </a:p>
-                  </a:txBody>
-                  <a:tcPr/>
-                </a:tc>
-                <a:tc>
-                  <a:txBody>
-                    <a:bodyPr/>
-                    <a:lstStyle/>
-                    <a:p>
-                      <a:r>
-                        <a:rPr lang="en-US" dirty="0" smtClean="0"/>
+                    </a:p>
+                  </a:txBody>
+                  <a:tcPr/>
+                </a:tc>
+                <a:tc>
+                  <a:txBody>
+                    <a:bodyPr/>
+                    <a:lstStyle/>
+                    <a:p>
+                      <a:r>
+                        <a:rPr lang="en-US" dirty="0"/>
                         <a:t>4</a:t>
                       </a:r>
-                      <a:endParaRPr lang="en-US" dirty="0"/>
-                    </a:p>
-                  </a:txBody>
-                  <a:tcPr/>
-                </a:tc>
+                    </a:p>
+                  </a:txBody>
+                  <a:tcPr/>
+                </a:tc>
+                <a:extLst>
+                  <a:ext uri="{0D108BD9-81ED-4DB2-BD59-A6C34878D82A}">
+                    <a16:rowId xmlns:a16="http://schemas.microsoft.com/office/drawing/2014/main" val="10002"/>
+                  </a:ext>
+                </a:extLst>
               </a:tr>
               <a:tr h="335212">
                 <a:tc>
@@ -5977,42 +6004,44 @@
                     <a:lstStyle/>
                     <a:p>
                       <a:r>
-                        <a:rPr lang="en-US" dirty="0" smtClean="0"/>
+                        <a:rPr lang="en-US" dirty="0"/>
                         <a:t>VT</a:t>
                       </a:r>
-                      <a:endParaRPr lang="en-US" dirty="0"/>
-                    </a:p>
-                  </a:txBody>
-                  <a:tcPr/>
-                </a:tc>
-                <a:tc>
-                  <a:txBody>
-                    <a:bodyPr/>
-                    <a:lstStyle/>
-                    <a:p>
-                      <a:r>
-                        <a:rPr lang="en-US" dirty="0" smtClean="0"/>
+                    </a:p>
+                  </a:txBody>
+                  <a:tcPr/>
+                </a:tc>
+                <a:tc>
+                  <a:txBody>
+                    <a:bodyPr/>
+                    <a:lstStyle/>
+                    <a:p>
+                      <a:r>
+                        <a:rPr lang="en-US" dirty="0"/>
                         <a:t>44.44</a:t>
                       </a:r>
-                      <a:endParaRPr lang="en-US" dirty="0"/>
-                    </a:p>
-                  </a:txBody>
-                  <a:tcPr/>
-                </a:tc>
-                <a:tc>
-                  <a:txBody>
-                    <a:bodyPr/>
-                    <a:lstStyle/>
-                    <a:p>
-                      <a:r>
-                        <a:rPr lang="en-US" dirty="0" smtClean="0"/>
+                    </a:p>
+                  </a:txBody>
+                  <a:tcPr/>
+                </a:tc>
+                <a:tc>
+                  <a:txBody>
+                    <a:bodyPr/>
+                    <a:lstStyle/>
+                    <a:p>
+                      <a:r>
+                        <a:rPr lang="en-US" dirty="0"/>
                         <a:t>12</a:t>
                       </a:r>
-                      <a:endParaRPr lang="en-US" dirty="0"/>
-                    </a:p>
-                  </a:txBody>
-                  <a:tcPr/>
-                </a:tc>
+                    </a:p>
+                  </a:txBody>
+                  <a:tcPr/>
+                </a:tc>
+                <a:extLst>
+                  <a:ext uri="{0D108BD9-81ED-4DB2-BD59-A6C34878D82A}">
+                    <a16:rowId xmlns:a16="http://schemas.microsoft.com/office/drawing/2014/main" val="10003"/>
+                  </a:ext>
+                </a:extLst>
               </a:tr>
               <a:tr h="335212">
                 <a:tc>
@@ -6021,42 +6050,44 @@
                     <a:lstStyle/>
                     <a:p>
                       <a:r>
-                        <a:rPr lang="en-US" dirty="0" smtClean="0"/>
+                        <a:rPr lang="en-US" dirty="0"/>
                         <a:t>CT</a:t>
                       </a:r>
-                      <a:endParaRPr lang="en-US" dirty="0"/>
-                    </a:p>
-                  </a:txBody>
-                  <a:tcPr/>
-                </a:tc>
-                <a:tc>
-                  <a:txBody>
-                    <a:bodyPr/>
-                    <a:lstStyle/>
-                    <a:p>
-                      <a:r>
-                        <a:rPr lang="en-US" dirty="0" smtClean="0"/>
+                    </a:p>
+                  </a:txBody>
+                  <a:tcPr/>
+                </a:tc>
+                <a:tc>
+                  <a:txBody>
+                    <a:bodyPr/>
+                    <a:lstStyle/>
+                    <a:p>
+                      <a:r>
+                        <a:rPr lang="en-US" dirty="0"/>
                         <a:t>33.33</a:t>
                       </a:r>
-                      <a:endParaRPr lang="en-US" dirty="0"/>
-                    </a:p>
-                  </a:txBody>
-                  <a:tcPr/>
-                </a:tc>
-                <a:tc>
-                  <a:txBody>
-                    <a:bodyPr/>
-                    <a:lstStyle/>
-                    <a:p>
-                      <a:r>
-                        <a:rPr lang="en-US" dirty="0" smtClean="0"/>
+                    </a:p>
+                  </a:txBody>
+                  <a:tcPr/>
+                </a:tc>
+                <a:tc>
+                  <a:txBody>
+                    <a:bodyPr/>
+                    <a:lstStyle/>
+                    <a:p>
+                      <a:r>
+                        <a:rPr lang="en-US" dirty="0"/>
                         <a:t>9</a:t>
                       </a:r>
-                      <a:endParaRPr lang="en-US" dirty="0"/>
-                    </a:p>
-                  </a:txBody>
-                  <a:tcPr/>
-                </a:tc>
+                    </a:p>
+                  </a:txBody>
+                  <a:tcPr/>
+                </a:tc>
+                <a:extLst>
+                  <a:ext uri="{0D108BD9-81ED-4DB2-BD59-A6C34878D82A}">
+                    <a16:rowId xmlns:a16="http://schemas.microsoft.com/office/drawing/2014/main" val="10004"/>
+                  </a:ext>
+                </a:extLst>
               </a:tr>
               <a:tr h="335212">
                 <a:tc>
@@ -6065,42 +6096,44 @@
                     <a:lstStyle/>
                     <a:p>
                       <a:r>
-                        <a:rPr lang="en-US" dirty="0" smtClean="0"/>
+                        <a:rPr lang="en-US" dirty="0"/>
                         <a:t>ND</a:t>
                       </a:r>
-                      <a:endParaRPr lang="en-US" dirty="0"/>
-                    </a:p>
-                  </a:txBody>
-                  <a:tcPr/>
-                </a:tc>
-                <a:tc>
-                  <a:txBody>
-                    <a:bodyPr/>
-                    <a:lstStyle/>
-                    <a:p>
-                      <a:r>
-                        <a:rPr lang="en-US" dirty="0" smtClean="0"/>
+                    </a:p>
+                  </a:txBody>
+                  <a:tcPr/>
+                </a:tc>
+                <a:tc>
+                  <a:txBody>
+                    <a:bodyPr/>
+                    <a:lstStyle/>
+                    <a:p>
+                      <a:r>
+                        <a:rPr lang="en-US" dirty="0"/>
                         <a:t>33.33</a:t>
                       </a:r>
-                      <a:endParaRPr lang="en-US" dirty="0"/>
-                    </a:p>
-                  </a:txBody>
-                  <a:tcPr/>
-                </a:tc>
-                <a:tc>
-                  <a:txBody>
-                    <a:bodyPr/>
-                    <a:lstStyle/>
-                    <a:p>
-                      <a:r>
-                        <a:rPr lang="en-US" dirty="0" smtClean="0"/>
+                    </a:p>
+                  </a:txBody>
+                  <a:tcPr/>
+                </a:tc>
+                <a:tc>
+                  <a:txBody>
+                    <a:bodyPr/>
+                    <a:lstStyle/>
+                    <a:p>
+                      <a:r>
+                        <a:rPr lang="en-US" dirty="0"/>
                         <a:t>1</a:t>
                       </a:r>
-                      <a:endParaRPr lang="en-US" dirty="0"/>
-                    </a:p>
-                  </a:txBody>
-                  <a:tcPr/>
-                </a:tc>
+                    </a:p>
+                  </a:txBody>
+                  <a:tcPr/>
+                </a:tc>
+                <a:extLst>
+                  <a:ext uri="{0D108BD9-81ED-4DB2-BD59-A6C34878D82A}">
+                    <a16:rowId xmlns:a16="http://schemas.microsoft.com/office/drawing/2014/main" val="10005"/>
+                  </a:ext>
+                </a:extLst>
               </a:tr>
               <a:tr h="335212">
                 <a:tc>
@@ -6109,42 +6142,44 @@
                     <a:lstStyle/>
                     <a:p>
                       <a:r>
-                        <a:rPr lang="en-US" dirty="0" smtClean="0"/>
+                        <a:rPr lang="en-US" dirty="0"/>
                         <a:t>TN</a:t>
                       </a:r>
-                      <a:endParaRPr lang="en-US" dirty="0"/>
-                    </a:p>
-                  </a:txBody>
-                  <a:tcPr/>
-                </a:tc>
-                <a:tc>
-                  <a:txBody>
-                    <a:bodyPr/>
-                    <a:lstStyle/>
-                    <a:p>
-                      <a:r>
-                        <a:rPr lang="en-US" dirty="0" smtClean="0"/>
+                    </a:p>
+                  </a:txBody>
+                  <a:tcPr/>
+                </a:tc>
+                <a:tc>
+                  <a:txBody>
+                    <a:bodyPr/>
+                    <a:lstStyle/>
+                    <a:p>
+                      <a:r>
+                        <a:rPr lang="en-US" dirty="0"/>
                         <a:t>33.33</a:t>
                       </a:r>
-                      <a:endParaRPr lang="en-US" dirty="0"/>
-                    </a:p>
-                  </a:txBody>
-                  <a:tcPr/>
-                </a:tc>
-                <a:tc>
-                  <a:txBody>
-                    <a:bodyPr/>
-                    <a:lstStyle/>
-                    <a:p>
-                      <a:r>
-                        <a:rPr lang="en-US" dirty="0" smtClean="0"/>
+                    </a:p>
+                  </a:txBody>
+                  <a:tcPr/>
+                </a:tc>
+                <a:tc>
+                  <a:txBody>
+                    <a:bodyPr/>
+                    <a:lstStyle/>
+                    <a:p>
+                      <a:r>
+                        <a:rPr lang="en-US" dirty="0"/>
                         <a:t>2</a:t>
                       </a:r>
-                      <a:endParaRPr lang="en-US" dirty="0"/>
-                    </a:p>
-                  </a:txBody>
-                  <a:tcPr/>
-                </a:tc>
+                    </a:p>
+                  </a:txBody>
+                  <a:tcPr/>
+                </a:tc>
+                <a:extLst>
+                  <a:ext uri="{0D108BD9-81ED-4DB2-BD59-A6C34878D82A}">
+                    <a16:rowId xmlns:a16="http://schemas.microsoft.com/office/drawing/2014/main" val="10006"/>
+                  </a:ext>
+                </a:extLst>
               </a:tr>
               <a:tr h="335212">
                 <a:tc>
@@ -6153,21 +6188,20 @@
                     <a:lstStyle/>
                     <a:p>
                       <a:r>
-                        <a:rPr lang="en-US" dirty="0" smtClean="0"/>
+                        <a:rPr lang="en-US" dirty="0"/>
                         <a:t>FL</a:t>
                       </a:r>
-                      <a:endParaRPr lang="en-US" dirty="0"/>
-                    </a:p>
-                  </a:txBody>
-                  <a:tcPr/>
-                </a:tc>
-                <a:tc>
-                  <a:txBody>
-                    <a:bodyPr/>
-                    <a:lstStyle/>
-                    <a:p>
-                      <a:r>
-                        <a:rPr lang="en-US" dirty="0" smtClean="0">
+                    </a:p>
+                  </a:txBody>
+                  <a:tcPr/>
+                </a:tc>
+                <a:tc>
+                  <a:txBody>
+                    <a:bodyPr/>
+                    <a:lstStyle/>
+                    <a:p>
+                      <a:r>
+                        <a:rPr lang="en-US" dirty="0">
                           <a:effectLst/>
                         </a:rPr>
                         <a:t>32.76</a:t>
@@ -6183,14 +6217,18 @@
                     <a:lstStyle/>
                     <a:p>
                       <a:r>
-                        <a:rPr lang="en-US" dirty="0" smtClean="0"/>
+                        <a:rPr lang="en-US" dirty="0"/>
                         <a:t>19</a:t>
                       </a:r>
-                      <a:endParaRPr lang="en-US" dirty="0"/>
-                    </a:p>
-                  </a:txBody>
-                  <a:tcPr/>
-                </a:tc>
+                    </a:p>
+                  </a:txBody>
+                  <a:tcPr/>
+                </a:tc>
+                <a:extLst>
+                  <a:ext uri="{0D108BD9-81ED-4DB2-BD59-A6C34878D82A}">
+                    <a16:rowId xmlns:a16="http://schemas.microsoft.com/office/drawing/2014/main" val="10007"/>
+                  </a:ext>
+                </a:extLst>
               </a:tr>
               <a:tr h="335212">
                 <a:tc>
@@ -6199,21 +6237,20 @@
                     <a:lstStyle/>
                     <a:p>
                       <a:r>
-                        <a:rPr lang="en-US" dirty="0" smtClean="0"/>
+                        <a:rPr lang="en-US" dirty="0"/>
                         <a:t>WA</a:t>
                       </a:r>
-                      <a:endParaRPr lang="en-US" dirty="0"/>
-                    </a:p>
-                  </a:txBody>
-                  <a:tcPr/>
-                </a:tc>
-                <a:tc>
-                  <a:txBody>
-                    <a:bodyPr/>
-                    <a:lstStyle/>
-                    <a:p>
-                      <a:r>
-                        <a:rPr lang="en-US" dirty="0" smtClean="0">
+                    </a:p>
+                  </a:txBody>
+                  <a:tcPr/>
+                </a:tc>
+                <a:tc>
+                  <a:txBody>
+                    <a:bodyPr/>
+                    <a:lstStyle/>
+                    <a:p>
+                      <a:r>
+                        <a:rPr lang="en-US" dirty="0">
                           <a:effectLst/>
                         </a:rPr>
                         <a:t>32.35</a:t>
@@ -6229,14 +6266,18 @@
                     <a:lstStyle/>
                     <a:p>
                       <a:r>
-                        <a:rPr lang="en-US" dirty="0" smtClean="0"/>
+                        <a:rPr lang="en-US" dirty="0"/>
                         <a:t>22</a:t>
                       </a:r>
-                      <a:endParaRPr lang="en-US" dirty="0"/>
-                    </a:p>
-                  </a:txBody>
-                  <a:tcPr/>
-                </a:tc>
+                    </a:p>
+                  </a:txBody>
+                  <a:tcPr/>
+                </a:tc>
+                <a:extLst>
+                  <a:ext uri="{0D108BD9-81ED-4DB2-BD59-A6C34878D82A}">
+                    <a16:rowId xmlns:a16="http://schemas.microsoft.com/office/drawing/2014/main" val="10008"/>
+                  </a:ext>
+                </a:extLst>
               </a:tr>
               <a:tr h="335212">
                 <a:tc>
@@ -6245,21 +6286,20 @@
                     <a:lstStyle/>
                     <a:p>
                       <a:r>
-                        <a:rPr lang="en-US" dirty="0" smtClean="0"/>
+                        <a:rPr lang="en-US" dirty="0"/>
                         <a:t>CA</a:t>
                       </a:r>
-                      <a:endParaRPr lang="en-US" dirty="0"/>
-                    </a:p>
-                  </a:txBody>
-                  <a:tcPr/>
-                </a:tc>
-                <a:tc>
-                  <a:txBody>
-                    <a:bodyPr/>
-                    <a:lstStyle/>
-                    <a:p>
-                      <a:r>
-                        <a:rPr lang="en-US" dirty="0" smtClean="0">
+                    </a:p>
+                  </a:txBody>
+                  <a:tcPr/>
+                </a:tc>
+                <a:tc>
+                  <a:txBody>
+                    <a:bodyPr/>
+                    <a:lstStyle/>
+                    <a:p>
+                      <a:r>
+                        <a:rPr lang="en-US" dirty="0">
                           <a:effectLst/>
                         </a:rPr>
                         <a:t>31.69</a:t>
@@ -6275,14 +6315,18 @@
                     <a:lstStyle/>
                     <a:p>
                       <a:r>
-                        <a:rPr lang="en-US" dirty="0" smtClean="0"/>
+                        <a:rPr lang="en-US" dirty="0"/>
                         <a:t>58</a:t>
                       </a:r>
-                      <a:endParaRPr lang="en-US" dirty="0"/>
-                    </a:p>
-                  </a:txBody>
-                  <a:tcPr/>
-                </a:tc>
+                    </a:p>
+                  </a:txBody>
+                  <a:tcPr/>
+                </a:tc>
+                <a:extLst>
+                  <a:ext uri="{0D108BD9-81ED-4DB2-BD59-A6C34878D82A}">
+                    <a16:rowId xmlns:a16="http://schemas.microsoft.com/office/drawing/2014/main" val="10009"/>
+                  </a:ext>
+                </a:extLst>
               </a:tr>
               <a:tr h="335212">
                 <a:tc>
@@ -6291,21 +6335,20 @@
                     <a:lstStyle/>
                     <a:p>
                       <a:r>
-                        <a:rPr lang="en-US" dirty="0" smtClean="0"/>
+                        <a:rPr lang="en-US" dirty="0"/>
                         <a:t>UT</a:t>
                       </a:r>
-                      <a:endParaRPr lang="en-US" dirty="0"/>
-                    </a:p>
-                  </a:txBody>
-                  <a:tcPr/>
-                </a:tc>
-                <a:tc>
-                  <a:txBody>
-                    <a:bodyPr/>
-                    <a:lstStyle/>
-                    <a:p>
-                      <a:r>
-                        <a:rPr lang="en-US" dirty="0" smtClean="0">
+                    </a:p>
+                  </a:txBody>
+                  <a:tcPr/>
+                </a:tc>
+                <a:tc>
+                  <a:txBody>
+                    <a:bodyPr/>
+                    <a:lstStyle/>
+                    <a:p>
+                      <a:r>
+                        <a:rPr lang="en-US" dirty="0">
                           <a:effectLst/>
                         </a:rPr>
                         <a:t>30.77</a:t>
@@ -6321,14 +6364,18 @@
                     <a:lstStyle/>
                     <a:p>
                       <a:r>
-                        <a:rPr lang="en-US" dirty="0" smtClean="0"/>
+                        <a:rPr lang="en-US" dirty="0"/>
                         <a:t>8</a:t>
                       </a:r>
-                      <a:endParaRPr lang="en-US" dirty="0"/>
-                    </a:p>
-                  </a:txBody>
-                  <a:tcPr/>
-                </a:tc>
+                    </a:p>
+                  </a:txBody>
+                  <a:tcPr/>
+                </a:tc>
+                <a:extLst>
+                  <a:ext uri="{0D108BD9-81ED-4DB2-BD59-A6C34878D82A}">
+                    <a16:rowId xmlns:a16="http://schemas.microsoft.com/office/drawing/2014/main" val="10010"/>
+                  </a:ext>
+                </a:extLst>
               </a:tr>
             </a:tbl>
           </a:graphicData>
@@ -6357,10 +6404,9 @@
           <a:lstStyle/>
           <a:p>
             <a:r>
-              <a:rPr lang="en-US" dirty="0" smtClean="0"/>
+              <a:rPr lang="en-US" dirty="0"/>
               <a:t>10 States with High %IPA</a:t>
             </a:r>
-            <a:endParaRPr lang="en-US" dirty="0"/>
           </a:p>
         </p:txBody>
       </p:sp>
@@ -6415,23 +6461,7 @@
                   <a:srgbClr val="675E47"/>
                 </a:solidFill>
               </a:rPr>
-              <a:t>Which state to launch our next </a:t>
-            </a:r>
-            <a:r>
-              <a:rPr lang="en-US" sz="3600" dirty="0" err="1">
-                <a:solidFill>
-                  <a:srgbClr val="675E47"/>
-                </a:solidFill>
-              </a:rPr>
-              <a:t>Budeweiser</a:t>
-            </a:r>
-            <a:r>
-              <a:rPr lang="en-US" sz="3600" dirty="0">
-                <a:solidFill>
-                  <a:srgbClr val="675E47"/>
-                </a:solidFill>
-              </a:rPr>
-              <a:t> IPA?</a:t>
+              <a:t>Which state to launch our next Budweiser IPA?</a:t>
             </a:r>
             <a:br>
               <a:rPr lang="en-US" sz="3600" dirty="0">
@@ -6446,15 +6476,7 @@
                   <a:srgbClr val="675E47"/>
                 </a:solidFill>
               </a:rPr>
-              <a:t> </a:t>
-            </a:r>
-            <a:r>
-              <a:rPr lang="en-US" sz="2800" dirty="0" smtClean="0">
-                <a:solidFill>
-                  <a:srgbClr val="675E47"/>
-                </a:solidFill>
-              </a:rPr>
-              <a:t>Normalized IPA by population</a:t>
+              <a:t> Normalized IPA by population</a:t>
             </a:r>
             <a:endParaRPr lang="en-US" dirty="0"/>
           </a:p>
@@ -6477,14 +6499,27 @@
           </a:xfrm>
         </p:spPr>
         <p:txBody>
-          <a:bodyPr/>
+          <a:bodyPr>
+            <a:normAutofit fontScale="92500" lnSpcReduction="20000"/>
+          </a:bodyPr>
           <a:lstStyle/>
           <a:p>
             <a:r>
-              <a:rPr lang="en-US" dirty="0" smtClean="0"/>
-              <a:t>By considering the population factor, we further recognize the potential top 5 markets: Vermont, Colorado, Alaska, Montana and Oregon.</a:t>
-            </a:r>
-            <a:endParaRPr lang="en-US" dirty="0"/>
+              <a:rPr lang="en-US" dirty="0"/>
+              <a:t>By using 2019 consensus data, we divide the total IPA per state by the total multiple of 100,000 residents in each state.</a:t>
+            </a:r>
+          </a:p>
+          <a:p>
+            <a:r>
+              <a:rPr lang="en-US" dirty="0"/>
+              <a:t>This approach is commonly used in government studies and proves to be effective against high and low populous states.</a:t>
+            </a:r>
+          </a:p>
+          <a:p>
+            <a:r>
+              <a:rPr lang="en-US" dirty="0"/>
+              <a:t>After our adjustment, we find the following top markets: Vermont, Colorado, Alaska, Montana and Oregon.</a:t>
+            </a:r>
           </a:p>
         </p:txBody>
       </p:sp>
@@ -6563,22 +6598,8 @@
               <a:buNone/>
               <a:tabLst/>
             </a:pPr>
-            <a:r>
-              <a:rPr kumimoji="0" lang="en-US" sz="1800" b="0" i="0" u="none" strike="noStrike" cap="none" normalizeH="0" baseline="0" smtClean="0">
-                <a:ln>
-                  <a:noFill/>
-                </a:ln>
-                <a:solidFill>
-                  <a:schemeClr val="tx1"/>
-                </a:solidFill>
-                <a:effectLst/>
-                <a:latin typeface="Arial" charset="0"/>
-                <a:cs typeface="Arial" charset="0"/>
-              </a:rPr>
-              <a:t/>
-            </a:r>
             <a:br>
-              <a:rPr kumimoji="0" lang="en-US" sz="1800" b="0" i="0" u="none" strike="noStrike" cap="none" normalizeH="0" baseline="0" smtClean="0">
+              <a:rPr kumimoji="0" lang="en-US" sz="1800" b="0" i="0" u="none" strike="noStrike" cap="none" normalizeH="0" baseline="0">
                 <a:ln>
                   <a:noFill/>
                 </a:ln>
@@ -6590,7 +6611,7 @@
                 <a:cs typeface="Arial" charset="0"/>
               </a:rPr>
             </a:br>
-            <a:endParaRPr kumimoji="0" lang="en-US" sz="1800" b="0" i="0" u="none" strike="noStrike" cap="none" normalizeH="0" baseline="0" smtClean="0">
+            <a:endParaRPr kumimoji="0" lang="en-US" sz="1800" b="0" i="0" u="none" strike="noStrike" cap="none" normalizeH="0" baseline="0">
               <a:ln>
                 <a:noFill/>
               </a:ln>
@@ -6629,9 +6650,27 @@
                 <a:tableStyleId>{5C22544A-7EE6-4342-B048-85BDC9FD1C3A}</a:tableStyleId>
               </a:tblPr>
               <a:tblGrid>
-                <a:gridCol w="1289289"/>
-                <a:gridCol w="1289289"/>
-                <a:gridCol w="1289289"/>
+                <a:gridCol w="1289289">
+                  <a:extLst>
+                    <a:ext uri="{9D8B030D-6E8A-4147-A177-3AD203B41FA5}">
+                      <a16:colId xmlns:a16="http://schemas.microsoft.com/office/drawing/2014/main" val="20000"/>
+                    </a:ext>
+                  </a:extLst>
+                </a:gridCol>
+                <a:gridCol w="1289289">
+                  <a:extLst>
+                    <a:ext uri="{9D8B030D-6E8A-4147-A177-3AD203B41FA5}">
+                      <a16:colId xmlns:a16="http://schemas.microsoft.com/office/drawing/2014/main" val="20001"/>
+                    </a:ext>
+                  </a:extLst>
+                </a:gridCol>
+                <a:gridCol w="1289289">
+                  <a:extLst>
+                    <a:ext uri="{9D8B030D-6E8A-4147-A177-3AD203B41FA5}">
+                      <a16:colId xmlns:a16="http://schemas.microsoft.com/office/drawing/2014/main" val="20002"/>
+                    </a:ext>
+                  </a:extLst>
+                </a:gridCol>
               </a:tblGrid>
               <a:tr h="598065">
                 <a:tc>
@@ -6641,7 +6680,7 @@
                     <a:p>
                       <a:pPr algn="l"/>
                       <a:r>
-                        <a:rPr lang="en-US" sz="1600" dirty="0" smtClean="0">
+                        <a:rPr lang="en-US" sz="1600" dirty="0">
                           <a:effectLst/>
                         </a:rPr>
                         <a:t>State</a:t>
@@ -6657,7 +6696,7 @@
                     <a:p>
                       <a:pPr algn="r"/>
                       <a:r>
-                        <a:rPr lang="en-US" sz="1600" dirty="0" smtClean="0">
+                        <a:rPr lang="en-US" sz="1600" dirty="0">
                           <a:effectLst/>
                         </a:rPr>
                         <a:t>Population</a:t>
@@ -6666,14 +6705,11 @@
                     <a:p>
                       <a:pPr algn="r"/>
                       <a:r>
-                        <a:rPr lang="en-US" sz="1600" dirty="0" smtClean="0">
+                        <a:rPr lang="en-US" sz="1600" dirty="0">
                           <a:effectLst/>
                         </a:rPr>
                         <a:t>(in million)</a:t>
                       </a:r>
-                      <a:endParaRPr lang="en-US" sz="1600" dirty="0">
-                        <a:effectLst/>
-                      </a:endParaRPr>
                     </a:p>
                   </a:txBody>
                   <a:tcPr marL="38100" marR="38100" marB="19050" anchor="ctr"/>
@@ -6685,18 +6721,20 @@
                     <a:p>
                       <a:pPr algn="r"/>
                       <a:r>
-                        <a:rPr lang="en-US" sz="1600" dirty="0" smtClean="0">
+                        <a:rPr lang="en-US" sz="1600" dirty="0">
                           <a:effectLst/>
                         </a:rPr>
                         <a:t>IPA_per_100k</a:t>
                       </a:r>
-                      <a:endParaRPr lang="en-US" sz="1600" dirty="0">
-                        <a:effectLst/>
-                      </a:endParaRPr>
                     </a:p>
                   </a:txBody>
                   <a:tcPr marL="38100" marR="38100" marB="19050" anchor="ctr"/>
                 </a:tc>
+                <a:extLst>
+                  <a:ext uri="{0D108BD9-81ED-4DB2-BD59-A6C34878D82A}">
+                    <a16:rowId xmlns:a16="http://schemas.microsoft.com/office/drawing/2014/main" val="10000"/>
+                  </a:ext>
+                </a:extLst>
               </a:tr>
               <a:tr h="447033">
                 <a:tc>
@@ -6722,14 +6760,11 @@
                     <a:p>
                       <a:pPr algn="r"/>
                       <a:r>
-                        <a:rPr lang="en-US" sz="1600" dirty="0" smtClean="0">
+                        <a:rPr lang="en-US" sz="1600" dirty="0">
                           <a:effectLst/>
                         </a:rPr>
                         <a:t>0.6</a:t>
                       </a:r>
-                      <a:endParaRPr lang="en-US" sz="1600" dirty="0">
-                        <a:effectLst/>
-                      </a:endParaRPr>
                     </a:p>
                   </a:txBody>
                   <a:tcPr marL="38100" marR="38100" marT="12700" marB="12700" anchor="ctr"/>
@@ -6741,18 +6776,20 @@
                     <a:p>
                       <a:pPr algn="r"/>
                       <a:r>
-                        <a:rPr lang="en-US" sz="1600" dirty="0" smtClean="0">
+                        <a:rPr lang="en-US" sz="1600" dirty="0">
                           <a:effectLst/>
                         </a:rPr>
                         <a:t>1.91</a:t>
                       </a:r>
-                      <a:endParaRPr lang="en-US" sz="1600" dirty="0">
-                        <a:effectLst/>
-                      </a:endParaRPr>
                     </a:p>
                   </a:txBody>
                   <a:tcPr marL="38100" marR="38100" marT="12700" marB="12700" anchor="ctr"/>
                 </a:tc>
+                <a:extLst>
+                  <a:ext uri="{0D108BD9-81ED-4DB2-BD59-A6C34878D82A}">
+                    <a16:rowId xmlns:a16="http://schemas.microsoft.com/office/drawing/2014/main" val="10001"/>
+                  </a:ext>
+                </a:extLst>
               </a:tr>
               <a:tr h="447033">
                 <a:tc>
@@ -6778,14 +6815,11 @@
                     <a:p>
                       <a:pPr algn="r"/>
                       <a:r>
-                        <a:rPr lang="en-US" sz="1600" dirty="0" smtClean="0">
+                        <a:rPr lang="en-US" sz="1600" dirty="0">
                           <a:effectLst/>
                         </a:rPr>
                         <a:t>5.8</a:t>
                       </a:r>
-                      <a:endParaRPr lang="en-US" sz="1600" dirty="0">
-                        <a:effectLst/>
-                      </a:endParaRPr>
                     </a:p>
                   </a:txBody>
                   <a:tcPr marL="38100" marR="38100" marT="12700" marB="12700" anchor="ctr"/>
@@ -6797,18 +6831,20 @@
                     <a:p>
                       <a:pPr algn="r"/>
                       <a:r>
-                        <a:rPr lang="en-US" sz="1600" dirty="0" smtClean="0">
+                        <a:rPr lang="en-US" sz="1600" dirty="0">
                           <a:effectLst/>
                         </a:rPr>
                         <a:t>0.99</a:t>
                       </a:r>
-                      <a:endParaRPr lang="en-US" sz="1600" dirty="0">
-                        <a:effectLst/>
-                      </a:endParaRPr>
                     </a:p>
                   </a:txBody>
                   <a:tcPr marL="38100" marR="38100" marT="12700" marB="12700" anchor="ctr"/>
                 </a:tc>
+                <a:extLst>
+                  <a:ext uri="{0D108BD9-81ED-4DB2-BD59-A6C34878D82A}">
+                    <a16:rowId xmlns:a16="http://schemas.microsoft.com/office/drawing/2014/main" val="10002"/>
+                  </a:ext>
+                </a:extLst>
               </a:tr>
               <a:tr h="447033">
                 <a:tc>
@@ -6834,14 +6870,11 @@
                     <a:p>
                       <a:pPr algn="r"/>
                       <a:r>
-                        <a:rPr lang="en-US" sz="1600" dirty="0" smtClean="0">
+                        <a:rPr lang="en-US" sz="1600" dirty="0">
                           <a:effectLst/>
                         </a:rPr>
                         <a:t>0.7</a:t>
                       </a:r>
-                      <a:endParaRPr lang="en-US" sz="1600" dirty="0">
-                        <a:effectLst/>
-                      </a:endParaRPr>
                     </a:p>
                   </a:txBody>
                   <a:tcPr marL="38100" marR="38100" marT="12700" marB="12700" anchor="ctr"/>
@@ -6853,18 +6886,20 @@
                     <a:p>
                       <a:pPr algn="r"/>
                       <a:r>
-                        <a:rPr lang="en-US" sz="1600" dirty="0" smtClean="0">
+                        <a:rPr lang="en-US" sz="1600" dirty="0">
                           <a:effectLst/>
                         </a:rPr>
                         <a:t>0.95</a:t>
                       </a:r>
-                      <a:endParaRPr lang="en-US" sz="1600" dirty="0">
-                        <a:effectLst/>
-                      </a:endParaRPr>
                     </a:p>
                   </a:txBody>
                   <a:tcPr marL="38100" marR="38100" marT="12700" marB="12700" anchor="ctr"/>
                 </a:tc>
+                <a:extLst>
+                  <a:ext uri="{0D108BD9-81ED-4DB2-BD59-A6C34878D82A}">
+                    <a16:rowId xmlns:a16="http://schemas.microsoft.com/office/drawing/2014/main" val="10003"/>
+                  </a:ext>
+                </a:extLst>
               </a:tr>
               <a:tr h="447033">
                 <a:tc>
@@ -6890,14 +6925,11 @@
                     <a:p>
                       <a:pPr algn="r"/>
                       <a:r>
-                        <a:rPr lang="en-US" sz="1600" dirty="0" smtClean="0">
+                        <a:rPr lang="en-US" sz="1600" dirty="0">
                           <a:effectLst/>
                         </a:rPr>
                         <a:t>1.1</a:t>
                       </a:r>
-                      <a:endParaRPr lang="en-US" sz="1600" dirty="0">
-                        <a:effectLst/>
-                      </a:endParaRPr>
                     </a:p>
                   </a:txBody>
                   <a:tcPr marL="38100" marR="38100" marT="12700" marB="12700" anchor="ctr"/>
@@ -6909,18 +6941,20 @@
                     <a:p>
                       <a:pPr algn="r"/>
                       <a:r>
-                        <a:rPr lang="en-US" sz="1600" dirty="0" smtClean="0">
+                        <a:rPr lang="en-US" sz="1600" dirty="0">
                           <a:effectLst/>
                         </a:rPr>
                         <a:t>0.74</a:t>
                       </a:r>
-                      <a:endParaRPr lang="en-US" sz="1600" dirty="0">
-                        <a:effectLst/>
-                      </a:endParaRPr>
                     </a:p>
                   </a:txBody>
                   <a:tcPr marL="38100" marR="38100" marT="12700" marB="12700" anchor="ctr"/>
                 </a:tc>
+                <a:extLst>
+                  <a:ext uri="{0D108BD9-81ED-4DB2-BD59-A6C34878D82A}">
+                    <a16:rowId xmlns:a16="http://schemas.microsoft.com/office/drawing/2014/main" val="10004"/>
+                  </a:ext>
+                </a:extLst>
               </a:tr>
               <a:tr h="447033">
                 <a:tc>
@@ -6946,14 +6980,11 @@
                     <a:p>
                       <a:pPr algn="r"/>
                       <a:r>
-                        <a:rPr lang="en-US" sz="1600" dirty="0" smtClean="0">
+                        <a:rPr lang="en-US" sz="1600" dirty="0">
                           <a:effectLst/>
                         </a:rPr>
                         <a:t>4.2</a:t>
                       </a:r>
-                      <a:endParaRPr lang="en-US" sz="1600" dirty="0">
-                        <a:effectLst/>
-                      </a:endParaRPr>
                     </a:p>
                   </a:txBody>
                   <a:tcPr marL="38100" marR="38100" marT="12700" marB="12700" anchor="ctr"/>
@@ -6965,18 +6996,20 @@
                     <a:p>
                       <a:pPr algn="r"/>
                       <a:r>
-                        <a:rPr lang="en-US" sz="1600" dirty="0" smtClean="0">
+                        <a:rPr lang="en-US" sz="1600" dirty="0">
                           <a:effectLst/>
                         </a:rPr>
                         <a:t>0.73</a:t>
                       </a:r>
-                      <a:endParaRPr lang="en-US" sz="1600" dirty="0">
-                        <a:effectLst/>
-                      </a:endParaRPr>
                     </a:p>
                   </a:txBody>
                   <a:tcPr marL="38100" marR="38100" marT="12700" marB="12700" anchor="ctr"/>
                 </a:tc>
+                <a:extLst>
+                  <a:ext uri="{0D108BD9-81ED-4DB2-BD59-A6C34878D82A}">
+                    <a16:rowId xmlns:a16="http://schemas.microsoft.com/office/drawing/2014/main" val="10005"/>
+                  </a:ext>
+                </a:extLst>
               </a:tr>
             </a:tbl>
           </a:graphicData>
@@ -7033,23 +7066,7 @@
                   <a:srgbClr val="675E47"/>
                 </a:solidFill>
               </a:rPr>
-              <a:t>Which state to launch our next </a:t>
-            </a:r>
-            <a:r>
-              <a:rPr lang="en-US" sz="3600" dirty="0" err="1">
-                <a:solidFill>
-                  <a:srgbClr val="675E47"/>
-                </a:solidFill>
-              </a:rPr>
-              <a:t>Budeweiser</a:t>
-            </a:r>
-            <a:r>
-              <a:rPr lang="en-US" sz="3600" dirty="0">
-                <a:solidFill>
-                  <a:srgbClr val="675E47"/>
-                </a:solidFill>
-              </a:rPr>
-              <a:t> IPA?</a:t>
+              <a:t>Which region to launch our next Budweiser IPA?</a:t>
             </a:r>
             <a:br>
               <a:rPr lang="en-US" sz="3600" dirty="0">
@@ -7064,15 +7081,7 @@
                   <a:srgbClr val="675E47"/>
                 </a:solidFill>
               </a:rPr>
-              <a:t> </a:t>
-            </a:r>
-            <a:r>
-              <a:rPr lang="en-US" sz="2800" dirty="0" smtClean="0">
-                <a:solidFill>
-                  <a:srgbClr val="675E47"/>
-                </a:solidFill>
-              </a:rPr>
-              <a:t>Where else are the markets?</a:t>
+              <a:t> What’s our best trial market?</a:t>
             </a:r>
             <a:endParaRPr lang="en-US" dirty="0"/>
           </a:p>
@@ -7095,47 +7104,32 @@
           </a:xfrm>
         </p:spPr>
         <p:txBody>
-          <a:bodyPr/>
+          <a:bodyPr>
+            <a:normAutofit/>
+          </a:bodyPr>
           <a:lstStyle/>
           <a:p>
             <a:r>
-              <a:rPr lang="en-US" dirty="0" smtClean="0"/>
-              <a:t>The map show the locations of the states </a:t>
-            </a:r>
-            <a:r>
               <a:rPr lang="en-US" dirty="0"/>
-              <a:t>with the best potential for the IPA release. </a:t>
-            </a:r>
-            <a:endParaRPr lang="en-US" dirty="0" smtClean="0"/>
-          </a:p>
-          <a:p>
-            <a:r>
-              <a:rPr lang="en-US" dirty="0" smtClean="0"/>
-              <a:t>If </a:t>
-            </a:r>
+              <a:t>The map shows a heatmap of the IPA per 100k individuals that we calculated.</a:t>
+            </a:r>
+          </a:p>
+          <a:p>
             <a:r>
               <a:rPr lang="en-US" dirty="0"/>
-              <a:t>we were to pick a region for the release instead of isolating to only the top five consumer states, </a:t>
-            </a:r>
-            <a:r>
-              <a:rPr lang="en-US" dirty="0" smtClean="0"/>
-              <a:t>the </a:t>
-            </a:r>
+              <a:t>By focusing on region instead of individual states, we can lower logistic costs and distribute to a wider audience. </a:t>
+            </a:r>
+          </a:p>
+          <a:p>
             <a:r>
               <a:rPr lang="en-US" b="1" dirty="0"/>
-              <a:t>Pacific Northwest </a:t>
-            </a:r>
-            <a:r>
-              <a:rPr lang="en-US" dirty="0"/>
-              <a:t>to Colorado may be the best market to enter with hard initial avoidance in the </a:t>
-            </a:r>
+              <a:t>The best region to enter is the Pacific Northwest.</a:t>
+            </a:r>
+          </a:p>
+          <a:p>
             <a:r>
               <a:rPr lang="en-US" b="1" dirty="0"/>
-              <a:t>Southeast Region</a:t>
-            </a:r>
-            <a:r>
-              <a:rPr lang="en-US" dirty="0"/>
-              <a:t>.</a:t>
+              <a:t>The worst region to enter is the Southeast.</a:t>
             </a:r>
           </a:p>
         </p:txBody>
@@ -7562,10 +7556,9 @@
           <a:lstStyle/>
           <a:p>
             <a:r>
-              <a:rPr lang="en-US" dirty="0" smtClean="0"/>
-              <a:t>Our Recommendations</a:t>
-            </a:r>
-            <a:endParaRPr lang="en-US" dirty="0"/>
+              <a:rPr lang="en-US" dirty="0"/>
+              <a:t>Final Recommendations</a:t>
+            </a:r>
           </a:p>
         </p:txBody>
       </p:sp>
@@ -7585,16 +7578,8 @@
           <a:lstStyle/>
           <a:p>
             <a:r>
-              <a:rPr lang="en-US" dirty="0" smtClean="0"/>
-              <a:t>By investing the IPA fondness across the nation, we recognize </a:t>
-            </a:r>
-            <a:r>
               <a:rPr lang="en-US" dirty="0"/>
-              <a:t>the potential top 5 markets: Vermont, Colorado, Alaska, Montana and Oregon</a:t>
-            </a:r>
-            <a:r>
-              <a:rPr lang="en-US" dirty="0" smtClean="0"/>
-              <a:t>.</a:t>
+              <a:t>By investing in the IPA craze across the nation, we recognize that the potential top 5 markets: Vermont, Colorado, Alaska, Montana and Oregon, could be great test subjects for a Budweiser IPA.</a:t>
             </a:r>
           </a:p>
           <a:p>
@@ -7602,32 +7587,24 @@
           </a:p>
           <a:p>
             <a:r>
-              <a:rPr lang="en-US" dirty="0" smtClean="0"/>
-              <a:t>Considering regional release preferences, we recommend the </a:t>
+              <a:rPr lang="en-US" dirty="0"/>
+              <a:t>If we would prefer to target specific regions, we recommend the </a:t>
             </a:r>
             <a:r>
               <a:rPr lang="en-US" b="1" dirty="0"/>
               <a:t>Pacific Northwest </a:t>
             </a:r>
             <a:r>
-              <a:rPr lang="en-US" dirty="0" smtClean="0"/>
-              <a:t>as the </a:t>
-            </a:r>
-            <a:r>
               <a:rPr lang="en-US" dirty="0"/>
-              <a:t>best market to </a:t>
-            </a:r>
-            <a:r>
-              <a:rPr lang="en-US" dirty="0" smtClean="0"/>
-              <a:t>enter, and wouldn’t  recommend the </a:t>
+              <a:t>as the best market to enter, and wouldn’t  recommend the </a:t>
             </a:r>
             <a:r>
               <a:rPr lang="en-US" b="1" dirty="0"/>
-              <a:t>Southeast Region</a:t>
+              <a:t>Southeast Region </a:t>
             </a:r>
             <a:r>
               <a:rPr lang="en-US" dirty="0"/>
-              <a:t>.</a:t>
+              <a:t>until we are more confident in mass production of the new product.</a:t>
             </a:r>
           </a:p>
         </p:txBody>
@@ -7678,10 +7655,9 @@
           <a:lstStyle/>
           <a:p>
             <a:r>
-              <a:rPr lang="en-US" dirty="0" smtClean="0"/>
+              <a:rPr lang="en-US" dirty="0"/>
               <a:t>Findings</a:t>
             </a:r>
-            <a:endParaRPr lang="en-US" dirty="0"/>
           </a:p>
         </p:txBody>
       </p:sp>
@@ -7697,90 +7673,39 @@
         </p:nvSpPr>
         <p:spPr/>
         <p:txBody>
-          <a:bodyPr/>
+          <a:bodyPr>
+            <a:normAutofit/>
+          </a:bodyPr>
           <a:lstStyle/>
           <a:p>
             <a:r>
-              <a:rPr lang="en-US" dirty="0" smtClean="0"/>
-              <a:t>Some states have apparent large number of breweries than others, “CO” is the state with largest number of breweries.</a:t>
-            </a:r>
-          </a:p>
-          <a:p>
-            <a:r>
-              <a:rPr lang="en-US" dirty="0" smtClean="0"/>
-              <a:t>IBU are missing in roughly half of the data collection. As we mainly analysis ABV and IBU we want to strategic on dealing with the missing values.</a:t>
-            </a:r>
-          </a:p>
-          <a:p>
-            <a:r>
-              <a:rPr lang="en-US" dirty="0" smtClean="0"/>
-              <a:t>The </a:t>
-            </a:r>
-            <a:r>
-              <a:rPr lang="en-US" dirty="0" smtClean="0"/>
-              <a:t>scatterplot of ABV </a:t>
-            </a:r>
-            <a:r>
-              <a:rPr lang="en-US" dirty="0" err="1" smtClean="0"/>
-              <a:t>vs</a:t>
-            </a:r>
-            <a:r>
-              <a:rPr lang="en-US" dirty="0" smtClean="0"/>
-              <a:t> IBU shows positive correlation. </a:t>
-            </a:r>
-            <a:r>
-              <a:rPr lang="en-US" dirty="0" smtClean="0"/>
-              <a:t>Further investigation </a:t>
-            </a:r>
-            <a:r>
-              <a:rPr lang="en-US" dirty="0" smtClean="0"/>
-              <a:t>reflect that these two factors can be used to indicate the beer styles IPA and Ale. </a:t>
-            </a:r>
-          </a:p>
-          <a:p>
-            <a:r>
-              <a:rPr lang="en-US" dirty="0" smtClean="0"/>
-              <a:t>KNN clustering conducted on the two Beer styles can get an accuracy &gt;0.85, which means with ABV and IBU data, the two styles are easy to differentiated.  The style IPA appear to be higher in both ABV and IBU values.</a:t>
-            </a:r>
-          </a:p>
-          <a:p>
-            <a:r>
-              <a:rPr lang="en-US" dirty="0" smtClean="0"/>
-              <a:t>We conduct an investigation on </a:t>
-            </a:r>
-            <a:r>
               <a:rPr lang="en-US" dirty="0"/>
-              <a:t>% IPA per total craft beers in each </a:t>
-            </a:r>
-            <a:r>
-              <a:rPr lang="en-US" dirty="0" smtClean="0"/>
-              <a:t>state normalized by </a:t>
-            </a:r>
+              <a:t>Some states have much more breweries than others, “CO” is the state with largest number of breweries.</a:t>
+            </a:r>
+          </a:p>
+          <a:p>
             <a:r>
               <a:rPr lang="en-US" dirty="0"/>
-              <a:t>state </a:t>
-            </a:r>
-            <a:r>
-              <a:rPr lang="en-US" dirty="0" smtClean="0"/>
-              <a:t>population, and identified states XX, XX and XX scored highest. We recommend them as the best </a:t>
-            </a:r>
+              <a:t>IBU are missing in roughly half of the data collection. Because these are both critical measurements for beer classification, we provided both a traditional approach as well as a simplified approach to address missing values. </a:t>
+            </a:r>
+          </a:p>
+          <a:p>
             <a:r>
               <a:rPr lang="en-US" dirty="0"/>
-              <a:t>candidates for a trial run of </a:t>
-            </a:r>
-            <a:r>
-              <a:rPr lang="en-US" dirty="0" err="1"/>
-              <a:t>Budeweiser</a:t>
-            </a:r>
+              <a:t>The scatterplot of ABV vs. IBU shows positive correlation. Additional evidence supports the claim that they can be used to differentiate IPA vs. non-IPA beers. </a:t>
+            </a:r>
+          </a:p>
+          <a:p>
             <a:r>
               <a:rPr lang="en-US" dirty="0"/>
-              <a:t> </a:t>
-            </a:r>
-            <a:r>
-              <a:rPr lang="en-US" dirty="0" smtClean="0"/>
-              <a:t>IPA.</a:t>
-            </a:r>
-            <a:endParaRPr lang="en-US" dirty="0"/>
+              <a:t>Using the ABV and IBU as parameters for KNN clustering, model accuracy reached upward of 85%. IPA’s proved to be higher in both ABV and IBU in most cases. </a:t>
+            </a:r>
+          </a:p>
+          <a:p>
+            <a:r>
+              <a:rPr lang="en-US" dirty="0"/>
+              <a:t>Utilizing the state population and number of different IPA beers brewed, we conducted a regional analysis to locate the best geographic region to perform product trials. </a:t>
+            </a:r>
           </a:p>
         </p:txBody>
       </p:sp>
@@ -7794,13 +7719,6 @@
   <p:clrMapOvr>
     <a:masterClrMapping/>
   </p:clrMapOvr>
-  <p:timing>
-    <p:tnLst>
-      <p:par>
-        <p:cTn id="1" dur="indefinite" restart="never" nodeType="tmRoot"/>
-      </p:par>
-    </p:tnLst>
-  </p:timing>
 </p:sld>
 </file>
 
@@ -7826,7 +7744,7 @@
           <p:cNvPr id="2" name="Title 1">
             <a:extLst>
               <a:ext uri="{FF2B5EF4-FFF2-40B4-BE49-F238E27FC236}">
-                <a16:creationId xmlns="" xmlns:a16="http://schemas.microsoft.com/office/drawing/2014/main" id="{00072353-A886-5A45-AD8E-A9D5DCB24FB4}"/>
+                <a16:creationId xmlns:a16="http://schemas.microsoft.com/office/drawing/2014/main" id="{00072353-A886-5A45-AD8E-A9D5DCB24FB4}"/>
               </a:ext>
             </a:extLst>
           </p:cNvPr>
@@ -7854,7 +7772,7 @@
           <p:cNvPr id="4" name="Content Placeholder 3">
             <a:extLst>
               <a:ext uri="{FF2B5EF4-FFF2-40B4-BE49-F238E27FC236}">
-                <a16:creationId xmlns="" xmlns:a16="http://schemas.microsoft.com/office/drawing/2014/main" id="{5509C53F-AEBE-8C40-B457-6FB5CE7C4250}"/>
+                <a16:creationId xmlns:a16="http://schemas.microsoft.com/office/drawing/2014/main" id="{5509C53F-AEBE-8C40-B457-6FB5CE7C4250}"/>
               </a:ext>
             </a:extLst>
           </p:cNvPr>
@@ -7906,8 +7824,20 @@
                 <a:tableStyleId>{5C22544A-7EE6-4342-B048-85BDC9FD1C3A}</a:tableStyleId>
               </a:tblPr>
               <a:tblGrid>
-                <a:gridCol w="974214"/>
-                <a:gridCol w="974214"/>
+                <a:gridCol w="974214">
+                  <a:extLst>
+                    <a:ext uri="{9D8B030D-6E8A-4147-A177-3AD203B41FA5}">
+                      <a16:colId xmlns:a16="http://schemas.microsoft.com/office/drawing/2014/main" val="20000"/>
+                    </a:ext>
+                  </a:extLst>
+                </a:gridCol>
+                <a:gridCol w="974214">
+                  <a:extLst>
+                    <a:ext uri="{9D8B030D-6E8A-4147-A177-3AD203B41FA5}">
+                      <a16:colId xmlns:a16="http://schemas.microsoft.com/office/drawing/2014/main" val="20001"/>
+                    </a:ext>
+                  </a:extLst>
+                </a:gridCol>
               </a:tblGrid>
               <a:tr h="239424">
                 <a:tc>
@@ -7916,28 +7846,32 @@
                     <a:lstStyle/>
                     <a:p>
                       <a:r>
-                        <a:rPr lang="en-US" sz="1400" dirty="0" smtClean="0"/>
+                        <a:rPr lang="en-US" sz="1400" dirty="0"/>
                         <a:t>State</a:t>
                       </a:r>
+                    </a:p>
+                  </a:txBody>
+                  <a:tcPr/>
+                </a:tc>
+                <a:tc>
+                  <a:txBody>
+                    <a:bodyPr/>
+                    <a:lstStyle/>
+                    <a:p>
+                      <a:r>
+                        <a:rPr lang="en-US" sz="1400" dirty="0" err="1"/>
+                        <a:t>Num</a:t>
+                      </a:r>
                       <a:endParaRPr lang="en-US" sz="1400" dirty="0"/>
                     </a:p>
                   </a:txBody>
                   <a:tcPr/>
                 </a:tc>
-                <a:tc>
-                  <a:txBody>
-                    <a:bodyPr/>
-                    <a:lstStyle/>
-                    <a:p>
-                      <a:r>
-                        <a:rPr lang="en-US" sz="1400" dirty="0" err="1" smtClean="0"/>
-                        <a:t>Num</a:t>
-                      </a:r>
-                      <a:endParaRPr lang="en-US" sz="1400" dirty="0"/>
-                    </a:p>
-                  </a:txBody>
-                  <a:tcPr/>
-                </a:tc>
+                <a:extLst>
+                  <a:ext uri="{0D108BD9-81ED-4DB2-BD59-A6C34878D82A}">
+                    <a16:rowId xmlns:a16="http://schemas.microsoft.com/office/drawing/2014/main" val="10000"/>
+                  </a:ext>
+                </a:extLst>
               </a:tr>
               <a:tr h="258033">
                 <a:tc>
@@ -7946,28 +7880,31 @@
                     <a:lstStyle/>
                     <a:p>
                       <a:r>
-                        <a:rPr lang="en-US" sz="1400" dirty="0" smtClean="0"/>
+                        <a:rPr lang="en-US" sz="1400" dirty="0"/>
                         <a:t>CO</a:t>
                       </a:r>
-                      <a:endParaRPr lang="en-US" sz="1400" dirty="0"/>
-                    </a:p>
-                  </a:txBody>
-                  <a:tcPr/>
-                </a:tc>
-                <a:tc>
-                  <a:txBody>
-                    <a:bodyPr/>
-                    <a:lstStyle/>
-                    <a:p>
-                      <a:r>
-                        <a:rPr lang="en-US" sz="1400" dirty="0" smtClean="0"/>
+                    </a:p>
+                  </a:txBody>
+                  <a:tcPr/>
+                </a:tc>
+                <a:tc>
+                  <a:txBody>
+                    <a:bodyPr/>
+                    <a:lstStyle/>
+                    <a:p>
+                      <a:r>
+                        <a:rPr lang="en-US" sz="1400" dirty="0"/>
                         <a:t>47</a:t>
                       </a:r>
-                      <a:endParaRPr lang="en-US" sz="1400" dirty="0"/>
-                    </a:p>
-                  </a:txBody>
-                  <a:tcPr/>
-                </a:tc>
+                    </a:p>
+                  </a:txBody>
+                  <a:tcPr/>
+                </a:tc>
+                <a:extLst>
+                  <a:ext uri="{0D108BD9-81ED-4DB2-BD59-A6C34878D82A}">
+                    <a16:rowId xmlns:a16="http://schemas.microsoft.com/office/drawing/2014/main" val="10001"/>
+                  </a:ext>
+                </a:extLst>
               </a:tr>
               <a:tr h="258033">
                 <a:tc>
@@ -7976,28 +7913,31 @@
                     <a:lstStyle/>
                     <a:p>
                       <a:r>
-                        <a:rPr lang="en-US" sz="1400" dirty="0" smtClean="0"/>
+                        <a:rPr lang="en-US" sz="1400" dirty="0"/>
                         <a:t>CA</a:t>
                       </a:r>
-                      <a:endParaRPr lang="en-US" sz="1400" dirty="0"/>
-                    </a:p>
-                  </a:txBody>
-                  <a:tcPr/>
-                </a:tc>
-                <a:tc>
-                  <a:txBody>
-                    <a:bodyPr/>
-                    <a:lstStyle/>
-                    <a:p>
-                      <a:r>
-                        <a:rPr lang="en-US" sz="1400" dirty="0" smtClean="0"/>
+                    </a:p>
+                  </a:txBody>
+                  <a:tcPr/>
+                </a:tc>
+                <a:tc>
+                  <a:txBody>
+                    <a:bodyPr/>
+                    <a:lstStyle/>
+                    <a:p>
+                      <a:r>
+                        <a:rPr lang="en-US" sz="1400" dirty="0"/>
                         <a:t>39</a:t>
                       </a:r>
-                      <a:endParaRPr lang="en-US" sz="1400" dirty="0"/>
-                    </a:p>
-                  </a:txBody>
-                  <a:tcPr/>
-                </a:tc>
+                    </a:p>
+                  </a:txBody>
+                  <a:tcPr/>
+                </a:tc>
+                <a:extLst>
+                  <a:ext uri="{0D108BD9-81ED-4DB2-BD59-A6C34878D82A}">
+                    <a16:rowId xmlns:a16="http://schemas.microsoft.com/office/drawing/2014/main" val="10002"/>
+                  </a:ext>
+                </a:extLst>
               </a:tr>
               <a:tr h="258033">
                 <a:tc>
@@ -8006,28 +7946,31 @@
                     <a:lstStyle/>
                     <a:p>
                       <a:r>
-                        <a:rPr lang="en-US" sz="1400" dirty="0" smtClean="0"/>
+                        <a:rPr lang="en-US" sz="1400" dirty="0"/>
                         <a:t>MI</a:t>
                       </a:r>
-                      <a:endParaRPr lang="en-US" sz="1400" dirty="0"/>
-                    </a:p>
-                  </a:txBody>
-                  <a:tcPr/>
-                </a:tc>
-                <a:tc>
-                  <a:txBody>
-                    <a:bodyPr/>
-                    <a:lstStyle/>
-                    <a:p>
-                      <a:r>
-                        <a:rPr lang="en-US" sz="1400" dirty="0" smtClean="0"/>
+                    </a:p>
+                  </a:txBody>
+                  <a:tcPr/>
+                </a:tc>
+                <a:tc>
+                  <a:txBody>
+                    <a:bodyPr/>
+                    <a:lstStyle/>
+                    <a:p>
+                      <a:r>
+                        <a:rPr lang="en-US" sz="1400" dirty="0"/>
                         <a:t>32</a:t>
                       </a:r>
-                      <a:endParaRPr lang="en-US" sz="1400" dirty="0"/>
-                    </a:p>
-                  </a:txBody>
-                  <a:tcPr/>
-                </a:tc>
+                    </a:p>
+                  </a:txBody>
+                  <a:tcPr/>
+                </a:tc>
+                <a:extLst>
+                  <a:ext uri="{0D108BD9-81ED-4DB2-BD59-A6C34878D82A}">
+                    <a16:rowId xmlns:a16="http://schemas.microsoft.com/office/drawing/2014/main" val="10003"/>
+                  </a:ext>
+                </a:extLst>
               </a:tr>
               <a:tr h="258033">
                 <a:tc>
@@ -8036,28 +7979,31 @@
                     <a:lstStyle/>
                     <a:p>
                       <a:r>
-                        <a:rPr lang="en-US" sz="1400" dirty="0" smtClean="0"/>
+                        <a:rPr lang="en-US" sz="1400" dirty="0"/>
                         <a:t>OR</a:t>
                       </a:r>
-                      <a:endParaRPr lang="en-US" sz="1400" dirty="0"/>
-                    </a:p>
-                  </a:txBody>
-                  <a:tcPr/>
-                </a:tc>
-                <a:tc>
-                  <a:txBody>
-                    <a:bodyPr/>
-                    <a:lstStyle/>
-                    <a:p>
-                      <a:r>
-                        <a:rPr lang="en-US" sz="1400" dirty="0" smtClean="0"/>
+                    </a:p>
+                  </a:txBody>
+                  <a:tcPr/>
+                </a:tc>
+                <a:tc>
+                  <a:txBody>
+                    <a:bodyPr/>
+                    <a:lstStyle/>
+                    <a:p>
+                      <a:r>
+                        <a:rPr lang="en-US" sz="1400" dirty="0"/>
                         <a:t>29</a:t>
                       </a:r>
-                      <a:endParaRPr lang="en-US" sz="1400" dirty="0"/>
-                    </a:p>
-                  </a:txBody>
-                  <a:tcPr/>
-                </a:tc>
+                    </a:p>
+                  </a:txBody>
+                  <a:tcPr/>
+                </a:tc>
+                <a:extLst>
+                  <a:ext uri="{0D108BD9-81ED-4DB2-BD59-A6C34878D82A}">
+                    <a16:rowId xmlns:a16="http://schemas.microsoft.com/office/drawing/2014/main" val="10004"/>
+                  </a:ext>
+                </a:extLst>
               </a:tr>
               <a:tr h="258033">
                 <a:tc>
@@ -8066,28 +8012,31 @@
                     <a:lstStyle/>
                     <a:p>
                       <a:r>
-                        <a:rPr lang="en-US" sz="1400" dirty="0" smtClean="0"/>
+                        <a:rPr lang="en-US" sz="1400" dirty="0"/>
                         <a:t>TX</a:t>
                       </a:r>
-                      <a:endParaRPr lang="en-US" sz="1400" dirty="0"/>
-                    </a:p>
-                  </a:txBody>
-                  <a:tcPr/>
-                </a:tc>
-                <a:tc>
-                  <a:txBody>
-                    <a:bodyPr/>
-                    <a:lstStyle/>
-                    <a:p>
-                      <a:r>
-                        <a:rPr lang="en-US" sz="1400" dirty="0" smtClean="0"/>
+                    </a:p>
+                  </a:txBody>
+                  <a:tcPr/>
+                </a:tc>
+                <a:tc>
+                  <a:txBody>
+                    <a:bodyPr/>
+                    <a:lstStyle/>
+                    <a:p>
+                      <a:r>
+                        <a:rPr lang="en-US" sz="1400" dirty="0"/>
                         <a:t>28</a:t>
                       </a:r>
-                      <a:endParaRPr lang="en-US" sz="1400" dirty="0"/>
-                    </a:p>
-                  </a:txBody>
-                  <a:tcPr/>
-                </a:tc>
+                    </a:p>
+                  </a:txBody>
+                  <a:tcPr/>
+                </a:tc>
+                <a:extLst>
+                  <a:ext uri="{0D108BD9-81ED-4DB2-BD59-A6C34878D82A}">
+                    <a16:rowId xmlns:a16="http://schemas.microsoft.com/office/drawing/2014/main" val="10005"/>
+                  </a:ext>
+                </a:extLst>
               </a:tr>
             </a:tbl>
           </a:graphicData>
@@ -8116,10 +8065,9 @@
           <a:lstStyle/>
           <a:p>
             <a:r>
-              <a:rPr lang="en-US" dirty="0" smtClean="0"/>
+              <a:rPr lang="en-US" dirty="0"/>
               <a:t>Top 5 States</a:t>
             </a:r>
-            <a:endParaRPr lang="en-US" dirty="0"/>
           </a:p>
         </p:txBody>
       </p:sp>
@@ -8145,7 +8093,7 @@
           <a:lstStyle/>
           <a:p>
             <a:r>
-              <a:rPr lang="en-US" dirty="0" smtClean="0">
+              <a:rPr lang="en-US" dirty="0">
                 <a:hlinkClick r:id="rId3" action="ppaction://hlinkfile"/>
               </a:rPr>
               <a:t>Breweries per State by Map</a:t>
@@ -8228,13 +8176,6 @@
   <p:clrMapOvr>
     <a:masterClrMapping/>
   </p:clrMapOvr>
-  <p:timing>
-    <p:tnLst>
-      <p:par>
-        <p:cTn id="1" dur="indefinite" restart="never" nodeType="tmRoot"/>
-      </p:par>
-    </p:tnLst>
-  </p:timing>
 </p:sld>
 </file>
 
@@ -8290,108 +8231,104 @@
         <p:spPr/>
         <p:txBody>
           <a:bodyPr>
-            <a:normAutofit/>
+            <a:normAutofit lnSpcReduction="10000"/>
           </a:bodyPr>
           <a:lstStyle/>
           <a:p>
             <a:r>
-              <a:rPr lang="en-US" dirty="0" smtClean="0"/>
-              <a:t>Merge two datasets together indexed by </a:t>
-            </a:r>
-            <a:r>
-              <a:rPr lang="en-US" dirty="0" err="1" smtClean="0"/>
+              <a:rPr lang="en-US" dirty="0"/>
+              <a:t>By merging the two datasets together by their common key, “</a:t>
+            </a:r>
+            <a:r>
+              <a:rPr lang="en-US" dirty="0" err="1"/>
               <a:t>brewery_id</a:t>
             </a:r>
             <a:r>
-              <a:rPr lang="en-US" dirty="0" smtClean="0"/>
-              <a:t>.</a:t>
-            </a:r>
-          </a:p>
-          <a:p>
-            <a:r>
-              <a:rPr lang="en-US" dirty="0" smtClean="0"/>
-              <a:t>The merged dataset share the following columns:</a:t>
+              <a:rPr lang="en-US" dirty="0"/>
+              <a:t>”, we were able to leverage more information from the relationship between the datasets.</a:t>
+            </a:r>
+          </a:p>
+          <a:p>
+            <a:r>
+              <a:rPr lang="en-US" dirty="0"/>
+              <a:t>Merged output:</a:t>
             </a:r>
           </a:p>
           <a:p>
             <a:pPr lvl="1"/>
             <a:r>
-              <a:rPr lang="en-US" dirty="0" err="1" smtClean="0"/>
+              <a:rPr lang="en-US" dirty="0" err="1"/>
               <a:t>brewery_id</a:t>
             </a:r>
-            <a:endParaRPr lang="en-US" dirty="0" smtClean="0"/>
+            <a:endParaRPr lang="en-US" dirty="0"/>
           </a:p>
           <a:p>
             <a:pPr lvl="1"/>
             <a:r>
-              <a:rPr lang="en-US" dirty="0" err="1" smtClean="0"/>
+              <a:rPr lang="en-US" dirty="0" err="1"/>
               <a:t>beer_name</a:t>
             </a:r>
-            <a:endParaRPr lang="en-US" dirty="0" smtClean="0"/>
+            <a:endParaRPr lang="en-US" dirty="0"/>
           </a:p>
           <a:p>
             <a:pPr lvl="1"/>
             <a:r>
-              <a:rPr lang="en-US" dirty="0" err="1" smtClean="0"/>
+              <a:rPr lang="en-US" dirty="0" err="1"/>
               <a:t>beer_id</a:t>
             </a:r>
-            <a:endParaRPr lang="en-US" dirty="0" smtClean="0"/>
+            <a:endParaRPr lang="en-US" dirty="0"/>
           </a:p>
           <a:p>
             <a:pPr lvl="1"/>
             <a:r>
               <a:rPr lang="en-US" dirty="0" err="1"/>
-              <a:t>a</a:t>
-            </a:r>
-            <a:r>
-              <a:rPr lang="en-US" dirty="0" err="1" smtClean="0"/>
-              <a:t>bv</a:t>
-            </a:r>
-            <a:endParaRPr lang="en-US" dirty="0" smtClean="0"/>
+              <a:t>abv</a:t>
+            </a:r>
+            <a:endParaRPr lang="en-US" dirty="0"/>
           </a:p>
           <a:p>
             <a:pPr lvl="1"/>
             <a:r>
-              <a:rPr lang="en-US" dirty="0" err="1" smtClean="0"/>
+              <a:rPr lang="en-US" dirty="0" err="1"/>
               <a:t>Ibu</a:t>
             </a:r>
-            <a:endParaRPr lang="en-US" dirty="0" smtClean="0"/>
+            <a:endParaRPr lang="en-US" dirty="0"/>
           </a:p>
           <a:p>
             <a:pPr lvl="1"/>
             <a:r>
-              <a:rPr lang="en-US" dirty="0" err="1" smtClean="0"/>
+              <a:rPr lang="en-US" dirty="0" err="1"/>
               <a:t>beer_style</a:t>
             </a:r>
-            <a:endParaRPr lang="en-US" dirty="0" smtClean="0"/>
+            <a:endParaRPr lang="en-US" dirty="0"/>
           </a:p>
           <a:p>
             <a:pPr lvl="1"/>
             <a:r>
-              <a:rPr lang="en-US" dirty="0" err="1" smtClean="0"/>
+              <a:rPr lang="en-US" dirty="0" err="1"/>
               <a:t>serving_ounces</a:t>
             </a:r>
-            <a:endParaRPr lang="en-US" dirty="0" smtClean="0"/>
+            <a:endParaRPr lang="en-US" dirty="0"/>
           </a:p>
           <a:p>
             <a:pPr lvl="1"/>
             <a:r>
-              <a:rPr lang="en-US" dirty="0" err="1" smtClean="0"/>
+              <a:rPr lang="en-US" dirty="0" err="1"/>
               <a:t>brewery_name</a:t>
             </a:r>
-            <a:endParaRPr lang="en-US" dirty="0" smtClean="0"/>
+            <a:endParaRPr lang="en-US" dirty="0"/>
           </a:p>
           <a:p>
             <a:pPr lvl="1"/>
             <a:r>
-              <a:rPr lang="en-US" dirty="0" smtClean="0"/>
+              <a:rPr lang="en-US" dirty="0"/>
               <a:t>City</a:t>
             </a:r>
           </a:p>
           <a:p>
             <a:pPr lvl="1"/>
             <a:r>
-              <a:rPr lang="en-US" dirty="0" smtClean="0"/>
+              <a:rPr lang="en-US" dirty="0"/>
               <a:t>state</a:t>
             </a:r>
           </a:p>
@@ -8407,13 +8344,6 @@
   <p:clrMapOvr>
     <a:masterClrMapping/>
   </p:clrMapOvr>
-  <p:timing>
-    <p:tnLst>
-      <p:par>
-        <p:cTn id="1" dur="indefinite" restart="never" nodeType="tmRoot"/>
-      </p:par>
-    </p:tnLst>
-  </p:timing>
 </p:sld>
 </file>
 
@@ -8450,18 +8380,9 @@
           <a:lstStyle/>
           <a:p>
             <a:r>
-              <a:rPr lang="en-US" sz="4400" dirty="0" smtClean="0"/>
-              <a:t>Statistics of </a:t>
-            </a:r>
-            <a:r>
               <a:rPr lang="en-US" sz="4400" dirty="0"/>
-              <a:t>”NA” </a:t>
-            </a:r>
-            <a:r>
-              <a:rPr lang="en-US" sz="4400" dirty="0" smtClean="0"/>
-              <a:t>values within the Dataset</a:t>
-            </a:r>
-            <a:endParaRPr lang="en-US" sz="4400" dirty="0"/>
+              <a:t>Statistics of ”NA” values within the Dataset</a:t>
+            </a:r>
           </a:p>
         </p:txBody>
       </p:sp>
@@ -8491,8 +8412,20 @@
                 <a:tableStyleId>{5C22544A-7EE6-4342-B048-85BDC9FD1C3A}</a:tableStyleId>
               </a:tblPr>
               <a:tblGrid>
-                <a:gridCol w="1981200"/>
-                <a:gridCol w="1981200"/>
+                <a:gridCol w="1981200">
+                  <a:extLst>
+                    <a:ext uri="{9D8B030D-6E8A-4147-A177-3AD203B41FA5}">
+                      <a16:colId xmlns:a16="http://schemas.microsoft.com/office/drawing/2014/main" val="20000"/>
+                    </a:ext>
+                  </a:extLst>
+                </a:gridCol>
+                <a:gridCol w="1981200">
+                  <a:extLst>
+                    <a:ext uri="{9D8B030D-6E8A-4147-A177-3AD203B41FA5}">
+                      <a16:colId xmlns:a16="http://schemas.microsoft.com/office/drawing/2014/main" val="20001"/>
+                    </a:ext>
+                  </a:extLst>
+                </a:gridCol>
               </a:tblGrid>
               <a:tr h="370840">
                 <a:tc>
@@ -8501,28 +8434,31 @@
                     <a:lstStyle/>
                     <a:p>
                       <a:r>
-                        <a:rPr lang="en-US" dirty="0" smtClean="0"/>
+                        <a:rPr lang="en-US" dirty="0"/>
                         <a:t>Column</a:t>
                       </a:r>
-                      <a:endParaRPr lang="en-US" dirty="0"/>
-                    </a:p>
-                  </a:txBody>
-                  <a:tcPr/>
-                </a:tc>
-                <a:tc>
-                  <a:txBody>
-                    <a:bodyPr/>
-                    <a:lstStyle/>
-                    <a:p>
-                      <a:r>
-                        <a:rPr lang="en-US" dirty="0" smtClean="0"/>
+                    </a:p>
+                  </a:txBody>
+                  <a:tcPr/>
+                </a:tc>
+                <a:tc>
+                  <a:txBody>
+                    <a:bodyPr/>
+                    <a:lstStyle/>
+                    <a:p>
+                      <a:r>
+                        <a:rPr lang="en-US" dirty="0"/>
                         <a:t>NAs</a:t>
                       </a:r>
-                      <a:endParaRPr lang="en-US" dirty="0"/>
-                    </a:p>
-                  </a:txBody>
-                  <a:tcPr/>
-                </a:tc>
+                    </a:p>
+                  </a:txBody>
+                  <a:tcPr/>
+                </a:tc>
+                <a:extLst>
+                  <a:ext uri="{0D108BD9-81ED-4DB2-BD59-A6C34878D82A}">
+                    <a16:rowId xmlns:a16="http://schemas.microsoft.com/office/drawing/2014/main" val="10000"/>
+                  </a:ext>
+                </a:extLst>
               </a:tr>
               <a:tr h="370840">
                 <a:tc>
@@ -8531,7 +8467,7 @@
                     <a:lstStyle/>
                     <a:p>
                       <a:r>
-                        <a:rPr lang="en-US" dirty="0" err="1" smtClean="0"/>
+                        <a:rPr lang="en-US" dirty="0" err="1"/>
                         <a:t>brewery_id</a:t>
                       </a:r>
                       <a:endParaRPr lang="en-US" dirty="0"/>
@@ -8545,14 +8481,18 @@
                     <a:lstStyle/>
                     <a:p>
                       <a:r>
-                        <a:rPr lang="en-US" dirty="0" smtClean="0"/>
+                        <a:rPr lang="en-US" dirty="0"/>
                         <a:t>0</a:t>
                       </a:r>
-                      <a:endParaRPr lang="en-US" dirty="0"/>
-                    </a:p>
-                  </a:txBody>
-                  <a:tcPr/>
-                </a:tc>
+                    </a:p>
+                  </a:txBody>
+                  <a:tcPr/>
+                </a:tc>
+                <a:extLst>
+                  <a:ext uri="{0D108BD9-81ED-4DB2-BD59-A6C34878D82A}">
+                    <a16:rowId xmlns:a16="http://schemas.microsoft.com/office/drawing/2014/main" val="10001"/>
+                  </a:ext>
+                </a:extLst>
               </a:tr>
               <a:tr h="370840">
                 <a:tc>
@@ -8561,7 +8501,7 @@
                     <a:lstStyle/>
                     <a:p>
                       <a:r>
-                        <a:rPr lang="en-US" dirty="0" err="1" smtClean="0"/>
+                        <a:rPr lang="en-US" dirty="0" err="1"/>
                         <a:t>beer_name</a:t>
                       </a:r>
                       <a:endParaRPr lang="en-US" dirty="0"/>
@@ -8575,14 +8515,18 @@
                     <a:lstStyle/>
                     <a:p>
                       <a:r>
-                        <a:rPr lang="en-US" dirty="0" smtClean="0"/>
+                        <a:rPr lang="en-US" dirty="0"/>
                         <a:t>0</a:t>
                       </a:r>
-                      <a:endParaRPr lang="en-US" dirty="0"/>
-                    </a:p>
-                  </a:txBody>
-                  <a:tcPr/>
-                </a:tc>
+                    </a:p>
+                  </a:txBody>
+                  <a:tcPr/>
+                </a:tc>
+                <a:extLst>
+                  <a:ext uri="{0D108BD9-81ED-4DB2-BD59-A6C34878D82A}">
+                    <a16:rowId xmlns:a16="http://schemas.microsoft.com/office/drawing/2014/main" val="10002"/>
+                  </a:ext>
+                </a:extLst>
               </a:tr>
               <a:tr h="370840">
                 <a:tc>
@@ -8591,7 +8535,7 @@
                     <a:lstStyle/>
                     <a:p>
                       <a:r>
-                        <a:rPr lang="en-US" dirty="0" err="1" smtClean="0"/>
+                        <a:rPr lang="en-US" dirty="0" err="1"/>
                         <a:t>beer_id</a:t>
                       </a:r>
                       <a:endParaRPr lang="en-US" dirty="0"/>
@@ -8605,14 +8549,18 @@
                     <a:lstStyle/>
                     <a:p>
                       <a:r>
-                        <a:rPr lang="en-US" dirty="0" smtClean="0"/>
+                        <a:rPr lang="en-US" dirty="0"/>
                         <a:t>0</a:t>
                       </a:r>
-                      <a:endParaRPr lang="en-US" dirty="0"/>
-                    </a:p>
-                  </a:txBody>
-                  <a:tcPr/>
-                </a:tc>
+                    </a:p>
+                  </a:txBody>
+                  <a:tcPr/>
+                </a:tc>
+                <a:extLst>
+                  <a:ext uri="{0D108BD9-81ED-4DB2-BD59-A6C34878D82A}">
+                    <a16:rowId xmlns:a16="http://schemas.microsoft.com/office/drawing/2014/main" val="10003"/>
+                  </a:ext>
+                </a:extLst>
               </a:tr>
               <a:tr h="370840">
                 <a:tc>
@@ -8621,7 +8569,7 @@
                     <a:lstStyle/>
                     <a:p>
                       <a:r>
-                        <a:rPr lang="en-US" dirty="0" err="1" smtClean="0"/>
+                        <a:rPr lang="en-US" dirty="0" err="1"/>
                         <a:t>abv</a:t>
                       </a:r>
                       <a:endParaRPr lang="en-US" dirty="0"/>
@@ -8635,14 +8583,18 @@
                     <a:lstStyle/>
                     <a:p>
                       <a:r>
-                        <a:rPr lang="en-US" dirty="0" smtClean="0"/>
+                        <a:rPr lang="en-US" dirty="0"/>
                         <a:t>62/2410</a:t>
                       </a:r>
-                      <a:endParaRPr lang="en-US" dirty="0"/>
-                    </a:p>
-                  </a:txBody>
-                  <a:tcPr/>
-                </a:tc>
+                    </a:p>
+                  </a:txBody>
+                  <a:tcPr/>
+                </a:tc>
+                <a:extLst>
+                  <a:ext uri="{0D108BD9-81ED-4DB2-BD59-A6C34878D82A}">
+                    <a16:rowId xmlns:a16="http://schemas.microsoft.com/office/drawing/2014/main" val="10004"/>
+                  </a:ext>
+                </a:extLst>
               </a:tr>
               <a:tr h="370840">
                 <a:tc>
@@ -8651,7 +8603,7 @@
                     <a:lstStyle/>
                     <a:p>
                       <a:r>
-                        <a:rPr lang="en-US" dirty="0" err="1" smtClean="0"/>
+                        <a:rPr lang="en-US" dirty="0" err="1"/>
                         <a:t>ibu</a:t>
                       </a:r>
                       <a:endParaRPr lang="en-US" dirty="0"/>
@@ -8665,14 +8617,18 @@
                     <a:lstStyle/>
                     <a:p>
                       <a:r>
-                        <a:rPr lang="en-US" dirty="0" smtClean="0"/>
+                        <a:rPr lang="en-US" dirty="0"/>
                         <a:t>1005/2410</a:t>
                       </a:r>
-                      <a:endParaRPr lang="en-US" dirty="0"/>
-                    </a:p>
-                  </a:txBody>
-                  <a:tcPr/>
-                </a:tc>
+                    </a:p>
+                  </a:txBody>
+                  <a:tcPr/>
+                </a:tc>
+                <a:extLst>
+                  <a:ext uri="{0D108BD9-81ED-4DB2-BD59-A6C34878D82A}">
+                    <a16:rowId xmlns:a16="http://schemas.microsoft.com/office/drawing/2014/main" val="10005"/>
+                  </a:ext>
+                </a:extLst>
               </a:tr>
               <a:tr h="370840">
                 <a:tc>
@@ -8681,7 +8637,7 @@
                     <a:lstStyle/>
                     <a:p>
                       <a:r>
-                        <a:rPr lang="en-US" dirty="0" err="1" smtClean="0"/>
+                        <a:rPr lang="en-US" dirty="0" err="1"/>
                         <a:t>beer_style</a:t>
                       </a:r>
                       <a:endParaRPr lang="en-US" dirty="0"/>
@@ -8695,14 +8651,18 @@
                     <a:lstStyle/>
                     <a:p>
                       <a:r>
-                        <a:rPr lang="en-US" dirty="0" smtClean="0"/>
+                        <a:rPr lang="en-US" dirty="0"/>
                         <a:t>0</a:t>
                       </a:r>
-                      <a:endParaRPr lang="en-US" dirty="0"/>
-                    </a:p>
-                  </a:txBody>
-                  <a:tcPr/>
-                </a:tc>
+                    </a:p>
+                  </a:txBody>
+                  <a:tcPr/>
+                </a:tc>
+                <a:extLst>
+                  <a:ext uri="{0D108BD9-81ED-4DB2-BD59-A6C34878D82A}">
+                    <a16:rowId xmlns:a16="http://schemas.microsoft.com/office/drawing/2014/main" val="10006"/>
+                  </a:ext>
+                </a:extLst>
               </a:tr>
               <a:tr h="370840">
                 <a:tc>
@@ -8711,7 +8671,7 @@
                     <a:lstStyle/>
                     <a:p>
                       <a:r>
-                        <a:rPr lang="en-US" dirty="0" err="1" smtClean="0"/>
+                        <a:rPr lang="en-US" dirty="0" err="1"/>
                         <a:t>serving_ounces</a:t>
                       </a:r>
                       <a:endParaRPr lang="en-US" dirty="0"/>
@@ -8725,14 +8685,18 @@
                     <a:lstStyle/>
                     <a:p>
                       <a:r>
-                        <a:rPr lang="en-US" dirty="0" smtClean="0"/>
+                        <a:rPr lang="en-US" dirty="0"/>
                         <a:t>0</a:t>
                       </a:r>
-                      <a:endParaRPr lang="en-US" dirty="0"/>
-                    </a:p>
-                  </a:txBody>
-                  <a:tcPr/>
-                </a:tc>
+                    </a:p>
+                  </a:txBody>
+                  <a:tcPr/>
+                </a:tc>
+                <a:extLst>
+                  <a:ext uri="{0D108BD9-81ED-4DB2-BD59-A6C34878D82A}">
+                    <a16:rowId xmlns:a16="http://schemas.microsoft.com/office/drawing/2014/main" val="10007"/>
+                  </a:ext>
+                </a:extLst>
               </a:tr>
               <a:tr h="370840">
                 <a:tc>
@@ -8741,7 +8705,7 @@
                     <a:lstStyle/>
                     <a:p>
                       <a:r>
-                        <a:rPr lang="en-US" dirty="0" err="1" smtClean="0"/>
+                        <a:rPr lang="en-US" dirty="0" err="1"/>
                         <a:t>brewery_name</a:t>
                       </a:r>
                       <a:endParaRPr lang="en-US" dirty="0"/>
@@ -8755,14 +8719,18 @@
                     <a:lstStyle/>
                     <a:p>
                       <a:r>
-                        <a:rPr lang="en-US" dirty="0" smtClean="0"/>
+                        <a:rPr lang="en-US" dirty="0"/>
                         <a:t>0</a:t>
                       </a:r>
-                      <a:endParaRPr lang="en-US" dirty="0"/>
-                    </a:p>
-                  </a:txBody>
-                  <a:tcPr/>
-                </a:tc>
+                    </a:p>
+                  </a:txBody>
+                  <a:tcPr/>
+                </a:tc>
+                <a:extLst>
+                  <a:ext uri="{0D108BD9-81ED-4DB2-BD59-A6C34878D82A}">
+                    <a16:rowId xmlns:a16="http://schemas.microsoft.com/office/drawing/2014/main" val="10008"/>
+                  </a:ext>
+                </a:extLst>
               </a:tr>
               <a:tr h="370840">
                 <a:tc>
@@ -8771,28 +8739,31 @@
                     <a:lstStyle/>
                     <a:p>
                       <a:r>
-                        <a:rPr lang="en-US" dirty="0" smtClean="0"/>
+                        <a:rPr lang="en-US" dirty="0"/>
                         <a:t>city</a:t>
                       </a:r>
-                      <a:endParaRPr lang="en-US" dirty="0"/>
-                    </a:p>
-                  </a:txBody>
-                  <a:tcPr/>
-                </a:tc>
-                <a:tc>
-                  <a:txBody>
-                    <a:bodyPr/>
-                    <a:lstStyle/>
-                    <a:p>
-                      <a:r>
-                        <a:rPr lang="en-US" dirty="0" smtClean="0"/>
+                    </a:p>
+                  </a:txBody>
+                  <a:tcPr/>
+                </a:tc>
+                <a:tc>
+                  <a:txBody>
+                    <a:bodyPr/>
+                    <a:lstStyle/>
+                    <a:p>
+                      <a:r>
+                        <a:rPr lang="en-US" dirty="0"/>
                         <a:t>0</a:t>
                       </a:r>
-                      <a:endParaRPr lang="en-US" dirty="0"/>
-                    </a:p>
-                  </a:txBody>
-                  <a:tcPr/>
-                </a:tc>
+                    </a:p>
+                  </a:txBody>
+                  <a:tcPr/>
+                </a:tc>
+                <a:extLst>
+                  <a:ext uri="{0D108BD9-81ED-4DB2-BD59-A6C34878D82A}">
+                    <a16:rowId xmlns:a16="http://schemas.microsoft.com/office/drawing/2014/main" val="10009"/>
+                  </a:ext>
+                </a:extLst>
               </a:tr>
               <a:tr h="370840">
                 <a:tc>
@@ -8801,28 +8772,31 @@
                     <a:lstStyle/>
                     <a:p>
                       <a:r>
-                        <a:rPr lang="en-US" dirty="0" smtClean="0"/>
+                        <a:rPr lang="en-US" dirty="0"/>
                         <a:t>state</a:t>
                       </a:r>
-                      <a:endParaRPr lang="en-US" dirty="0"/>
-                    </a:p>
-                  </a:txBody>
-                  <a:tcPr/>
-                </a:tc>
-                <a:tc>
-                  <a:txBody>
-                    <a:bodyPr/>
-                    <a:lstStyle/>
-                    <a:p>
-                      <a:r>
-                        <a:rPr lang="en-US" dirty="0" smtClean="0"/>
+                    </a:p>
+                  </a:txBody>
+                  <a:tcPr/>
+                </a:tc>
+                <a:tc>
+                  <a:txBody>
+                    <a:bodyPr/>
+                    <a:lstStyle/>
+                    <a:p>
+                      <a:r>
+                        <a:rPr lang="en-US" dirty="0"/>
                         <a:t>0</a:t>
                       </a:r>
-                      <a:endParaRPr lang="en-US" dirty="0"/>
-                    </a:p>
-                  </a:txBody>
-                  <a:tcPr/>
-                </a:tc>
+                    </a:p>
+                  </a:txBody>
+                  <a:tcPr/>
+                </a:tc>
+                <a:extLst>
+                  <a:ext uri="{0D108BD9-81ED-4DB2-BD59-A6C34878D82A}">
+                    <a16:rowId xmlns:a16="http://schemas.microsoft.com/office/drawing/2014/main" val="10010"/>
+                  </a:ext>
+                </a:extLst>
               </a:tr>
               <a:tr h="370840">
                 <a:tc>
@@ -8831,11 +8805,11 @@
                     <a:lstStyle/>
                     <a:p>
                       <a:r>
-                        <a:rPr lang="en-US" dirty="0" smtClean="0"/>
+                        <a:rPr lang="en-US" dirty="0"/>
                         <a:t>*</a:t>
                       </a:r>
                       <a:r>
-                        <a:rPr lang="en-US" dirty="0" err="1" smtClean="0"/>
+                        <a:rPr lang="en-US" dirty="0" err="1"/>
                         <a:t>abv_corr</a:t>
                       </a:r>
                       <a:endParaRPr lang="en-US" dirty="0"/>
@@ -8849,14 +8823,18 @@
                     <a:lstStyle/>
                     <a:p>
                       <a:r>
-                        <a:rPr lang="en-US" dirty="0" smtClean="0"/>
+                        <a:rPr lang="en-US" dirty="0"/>
                         <a:t>0</a:t>
                       </a:r>
-                      <a:endParaRPr lang="en-US" dirty="0"/>
-                    </a:p>
-                  </a:txBody>
-                  <a:tcPr/>
-                </a:tc>
+                    </a:p>
+                  </a:txBody>
+                  <a:tcPr/>
+                </a:tc>
+                <a:extLst>
+                  <a:ext uri="{0D108BD9-81ED-4DB2-BD59-A6C34878D82A}">
+                    <a16:rowId xmlns:a16="http://schemas.microsoft.com/office/drawing/2014/main" val="10011"/>
+                  </a:ext>
+                </a:extLst>
               </a:tr>
               <a:tr h="370840">
                 <a:tc>
@@ -8865,11 +8843,11 @@
                     <a:lstStyle/>
                     <a:p>
                       <a:r>
-                        <a:rPr lang="en-US" dirty="0" smtClean="0"/>
+                        <a:rPr lang="en-US" dirty="0"/>
                         <a:t>*</a:t>
                       </a:r>
                       <a:r>
-                        <a:rPr lang="en-US" dirty="0" err="1" smtClean="0"/>
+                        <a:rPr lang="en-US" dirty="0" err="1"/>
                         <a:t>Ibu_corr</a:t>
                       </a:r>
                       <a:endParaRPr lang="en-US" dirty="0"/>
@@ -8883,14 +8861,18 @@
                     <a:lstStyle/>
                     <a:p>
                       <a:r>
-                        <a:rPr lang="en-US" dirty="0" smtClean="0"/>
+                        <a:rPr lang="en-US" dirty="0"/>
                         <a:t>52/2410</a:t>
                       </a:r>
-                      <a:endParaRPr lang="en-US" dirty="0"/>
-                    </a:p>
-                  </a:txBody>
-                  <a:tcPr/>
-                </a:tc>
+                    </a:p>
+                  </a:txBody>
+                  <a:tcPr/>
+                </a:tc>
+                <a:extLst>
+                  <a:ext uri="{0D108BD9-81ED-4DB2-BD59-A6C34878D82A}">
+                    <a16:rowId xmlns:a16="http://schemas.microsoft.com/office/drawing/2014/main" val="10012"/>
+                  </a:ext>
+                </a:extLst>
               </a:tr>
             </a:tbl>
           </a:graphicData>
@@ -8923,8 +8905,8 @@
               <a:buChar char="•"/>
             </a:pPr>
             <a:r>
-              <a:rPr lang="en-US" dirty="0" smtClean="0"/>
-              <a:t>The dataset only have missing information in ABV and IBU values, while IBU has a big portion of NAs almost half of the dataset!</a:t>
+              <a:rPr lang="en-US" dirty="0"/>
+              <a:t>The dataset only has missing information in ABV and IBU values, but the missing values of  IBU are present in almost half the dataset!</a:t>
             </a:r>
           </a:p>
           <a:p>
@@ -8932,7 +8914,7 @@
               <a:buFont typeface="Arial" pitchFamily="34" charset="0"/>
               <a:buChar char="•"/>
             </a:pPr>
-            <a:endParaRPr lang="en-US" dirty="0" smtClean="0"/>
+            <a:endParaRPr lang="en-US" dirty="0"/>
           </a:p>
           <a:p>
             <a:pPr marL="285750" indent="-285750">
@@ -8940,8 +8922,8 @@
               <a:buChar char="•"/>
             </a:pPr>
             <a:r>
-              <a:rPr lang="en-US" dirty="0" smtClean="0"/>
-              <a:t>As ABV and IBU are the main features we are analyzing we proceed with two tracks:</a:t>
+              <a:rPr lang="en-US" dirty="0"/>
+              <a:t>Because ABV and IBU are major features to be missing, we decided to proceed with two different approaches:</a:t>
             </a:r>
           </a:p>
           <a:p>
@@ -8950,7 +8932,7 @@
               <a:buChar char="•"/>
             </a:pPr>
             <a:r>
-              <a:rPr lang="en-US" dirty="0" smtClean="0"/>
+              <a:rPr lang="en-US" dirty="0"/>
               <a:t>Remove all the items with NAs exist, items in total will be reduced to 1405</a:t>
             </a:r>
           </a:p>
@@ -8960,15 +8942,15 @@
               <a:buChar char="•"/>
             </a:pPr>
             <a:r>
-              <a:rPr lang="en-US" dirty="0" smtClean="0"/>
+              <a:rPr lang="en-US" dirty="0"/>
               <a:t>We think </a:t>
             </a:r>
             <a:r>
-              <a:rPr lang="en-US" dirty="0" err="1" smtClean="0"/>
+              <a:rPr lang="en-US" dirty="0" err="1"/>
               <a:t>beer_style</a:t>
             </a:r>
             <a:r>
-              <a:rPr lang="en-US" dirty="0" smtClean="0"/>
+              <a:rPr lang="en-US" dirty="0"/>
               <a:t> is the key variable—by each style beers are sharing common features. So we assign median value of each style to the ones with missing values in ABV and IBU. After the filling action, we have no NAs in ABU and just 52 (reduced 95%) NAs from previous dataset.</a:t>
             </a:r>
           </a:p>
@@ -8991,13 +8973,6 @@
   <p:clrMapOvr>
     <a:masterClrMapping/>
   </p:clrMapOvr>
-  <p:timing>
-    <p:tnLst>
-      <p:par>
-        <p:cTn id="1" dur="indefinite" restart="never" nodeType="tmRoot"/>
-      </p:par>
-    </p:tnLst>
-  </p:timing>
 </p:sld>
 </file>
 
@@ -9023,7 +8998,7 @@
           <p:cNvPr id="2" name="Title 1">
             <a:extLst>
               <a:ext uri="{FF2B5EF4-FFF2-40B4-BE49-F238E27FC236}">
-                <a16:creationId xmlns="" xmlns:a16="http://schemas.microsoft.com/office/drawing/2014/main" id="{96AD81DF-D9E4-A34B-BDCF-D73D3F89BDCF}"/>
+                <a16:creationId xmlns:a16="http://schemas.microsoft.com/office/drawing/2014/main" id="{96AD81DF-D9E4-A34B-BDCF-D73D3F89BDCF}"/>
               </a:ext>
             </a:extLst>
           </p:cNvPr>
@@ -9051,7 +9026,7 @@
           <p:cNvPr id="4" name="Content Placeholder 3">
             <a:extLst>
               <a:ext uri="{FF2B5EF4-FFF2-40B4-BE49-F238E27FC236}">
-                <a16:creationId xmlns="" xmlns:a16="http://schemas.microsoft.com/office/drawing/2014/main" id="{D9E182BE-8976-0341-B8B3-FF0D06513D47}"/>
+                <a16:creationId xmlns:a16="http://schemas.microsoft.com/office/drawing/2014/main" id="{D9E182BE-8976-0341-B8B3-FF0D06513D47}"/>
               </a:ext>
             </a:extLst>
           </p:cNvPr>
@@ -9083,7 +9058,7 @@
           <p:cNvPr id="5" name="Picture 4">
             <a:extLst>
               <a:ext uri="{FF2B5EF4-FFF2-40B4-BE49-F238E27FC236}">
-                <a16:creationId xmlns="" xmlns:a16="http://schemas.microsoft.com/office/drawing/2014/main" id="{AD0AB084-BB27-5548-884F-F369C88260B3}"/>
+                <a16:creationId xmlns:a16="http://schemas.microsoft.com/office/drawing/2014/main" id="{AD0AB084-BB27-5548-884F-F369C88260B3}"/>
               </a:ext>
             </a:extLst>
           </p:cNvPr>
@@ -9131,7 +9106,7 @@
           <a:lstStyle/>
           <a:p>
             <a:r>
-              <a:rPr lang="en-US" dirty="0" smtClean="0">
+              <a:rPr lang="en-US" dirty="0">
                 <a:hlinkClick r:id="rId4" action="ppaction://hlinkfile"/>
               </a:rPr>
               <a:t>Median IBU per State by Map</a:t>
@@ -9163,7 +9138,7 @@
           <a:lstStyle/>
           <a:p>
             <a:r>
-              <a:rPr lang="en-US" dirty="0" smtClean="0">
+              <a:rPr lang="en-US" dirty="0">
                 <a:hlinkClick r:id="rId5" action="ppaction://hlinkfile"/>
               </a:rPr>
               <a:t>Median ABV per State by Map</a:t>
@@ -9240,13 +9215,6 @@
   <p:clrMapOvr>
     <a:masterClrMapping/>
   </p:clrMapOvr>
-  <p:timing>
-    <p:tnLst>
-      <p:par>
-        <p:cTn id="1" dur="indefinite" restart="never" nodeType="tmRoot"/>
-      </p:par>
-    </p:tnLst>
-  </p:timing>
 </p:sld>
 </file>
 
@@ -9272,7 +9240,7 @@
           <p:cNvPr id="2" name="Title 1">
             <a:extLst>
               <a:ext uri="{FF2B5EF4-FFF2-40B4-BE49-F238E27FC236}">
-                <a16:creationId xmlns="" xmlns:a16="http://schemas.microsoft.com/office/drawing/2014/main" id="{770F0405-8617-554A-91C9-5F54B626E238}"/>
+                <a16:creationId xmlns:a16="http://schemas.microsoft.com/office/drawing/2014/main" id="{770F0405-8617-554A-91C9-5F54B626E238}"/>
               </a:ext>
             </a:extLst>
           </p:cNvPr>
@@ -9320,9 +9288,27 @@
                 <a:tableStyleId>{5C22544A-7EE6-4342-B048-85BDC9FD1C3A}</a:tableStyleId>
               </a:tblPr>
               <a:tblGrid>
-                <a:gridCol w="2218267"/>
-                <a:gridCol w="2218267"/>
-                <a:gridCol w="2218267"/>
+                <a:gridCol w="2218267">
+                  <a:extLst>
+                    <a:ext uri="{9D8B030D-6E8A-4147-A177-3AD203B41FA5}">
+                      <a16:colId xmlns:a16="http://schemas.microsoft.com/office/drawing/2014/main" val="20000"/>
+                    </a:ext>
+                  </a:extLst>
+                </a:gridCol>
+                <a:gridCol w="2218267">
+                  <a:extLst>
+                    <a:ext uri="{9D8B030D-6E8A-4147-A177-3AD203B41FA5}">
+                      <a16:colId xmlns:a16="http://schemas.microsoft.com/office/drawing/2014/main" val="20001"/>
+                    </a:ext>
+                  </a:extLst>
+                </a:gridCol>
+                <a:gridCol w="2218267">
+                  <a:extLst>
+                    <a:ext uri="{9D8B030D-6E8A-4147-A177-3AD203B41FA5}">
+                      <a16:colId xmlns:a16="http://schemas.microsoft.com/office/drawing/2014/main" val="20002"/>
+                    </a:ext>
+                  </a:extLst>
+                </a:gridCol>
               </a:tblGrid>
               <a:tr h="293504">
                 <a:tc>
@@ -9331,9 +9317,22 @@
                     <a:lstStyle/>
                     <a:p>
                       <a:r>
-                        <a:rPr lang="en-US" dirty="0" smtClean="0"/>
+                        <a:rPr lang="en-US" dirty="0"/>
                         <a:t>State</a:t>
                       </a:r>
+                    </a:p>
+                  </a:txBody>
+                  <a:tcPr/>
+                </a:tc>
+                <a:tc>
+                  <a:txBody>
+                    <a:bodyPr/>
+                    <a:lstStyle/>
+                    <a:p>
+                      <a:r>
+                        <a:rPr lang="en-US" dirty="0" err="1"/>
+                        <a:t>Beer_name</a:t>
+                      </a:r>
                       <a:endParaRPr lang="en-US" dirty="0"/>
                     </a:p>
                   </a:txBody>
@@ -9345,28 +9344,19 @@
                     <a:lstStyle/>
                     <a:p>
                       <a:r>
-                        <a:rPr lang="en-US" dirty="0" err="1" smtClean="0"/>
-                        <a:t>Beer_name</a:t>
+                        <a:rPr lang="en-US" dirty="0" err="1"/>
+                        <a:t>Max_ABV</a:t>
                       </a:r>
                       <a:endParaRPr lang="en-US" dirty="0"/>
                     </a:p>
                   </a:txBody>
                   <a:tcPr/>
                 </a:tc>
-                <a:tc>
-                  <a:txBody>
-                    <a:bodyPr/>
-                    <a:lstStyle/>
-                    <a:p>
-                      <a:r>
-                        <a:rPr lang="en-US" dirty="0" err="1" smtClean="0"/>
-                        <a:t>Max_ABV</a:t>
-                      </a:r>
-                      <a:endParaRPr lang="en-US" dirty="0"/>
-                    </a:p>
-                  </a:txBody>
-                  <a:tcPr/>
-                </a:tc>
+                <a:extLst>
+                  <a:ext uri="{0D108BD9-81ED-4DB2-BD59-A6C34878D82A}">
+                    <a16:rowId xmlns:a16="http://schemas.microsoft.com/office/drawing/2014/main" val="10000"/>
+                  </a:ext>
+                </a:extLst>
               </a:tr>
               <a:tr h="506596">
                 <a:tc>
@@ -9375,21 +9365,20 @@
                     <a:lstStyle/>
                     <a:p>
                       <a:r>
-                        <a:rPr lang="en-US" dirty="0" smtClean="0"/>
+                        <a:rPr lang="en-US" dirty="0"/>
                         <a:t>CO</a:t>
                       </a:r>
-                      <a:endParaRPr lang="en-US" dirty="0"/>
-                    </a:p>
-                  </a:txBody>
-                  <a:tcPr/>
-                </a:tc>
-                <a:tc>
-                  <a:txBody>
-                    <a:bodyPr/>
-                    <a:lstStyle/>
-                    <a:p>
-                      <a:r>
-                        <a:rPr lang="en-US" dirty="0" smtClean="0">
+                    </a:p>
+                  </a:txBody>
+                  <a:tcPr/>
+                </a:tc>
+                <a:tc>
+                  <a:txBody>
+                    <a:bodyPr/>
+                    <a:lstStyle/>
+                    <a:p>
+                      <a:r>
+                        <a:rPr lang="en-US" dirty="0">
                           <a:effectLst/>
                         </a:rPr>
                         <a:t>Lee Hill Series Vol. 5</a:t>
@@ -9405,14 +9394,18 @@
                     <a:lstStyle/>
                     <a:p>
                       <a:r>
-                        <a:rPr lang="en-US" dirty="0" smtClean="0"/>
+                        <a:rPr lang="en-US" dirty="0"/>
                         <a:t>0.128</a:t>
                       </a:r>
-                      <a:endParaRPr lang="en-US" dirty="0"/>
-                    </a:p>
-                  </a:txBody>
-                  <a:tcPr/>
-                </a:tc>
+                    </a:p>
+                  </a:txBody>
+                  <a:tcPr/>
+                </a:tc>
+                <a:extLst>
+                  <a:ext uri="{0D108BD9-81ED-4DB2-BD59-A6C34878D82A}">
+                    <a16:rowId xmlns:a16="http://schemas.microsoft.com/office/drawing/2014/main" val="10001"/>
+                  </a:ext>
+                </a:extLst>
               </a:tr>
             </a:tbl>
           </a:graphicData>
@@ -9443,9 +9436,27 @@
                 <a:tableStyleId>{5C22544A-7EE6-4342-B048-85BDC9FD1C3A}</a:tableStyleId>
               </a:tblPr>
               <a:tblGrid>
-                <a:gridCol w="2218267"/>
-                <a:gridCol w="2218267"/>
-                <a:gridCol w="2218267"/>
+                <a:gridCol w="2218267">
+                  <a:extLst>
+                    <a:ext uri="{9D8B030D-6E8A-4147-A177-3AD203B41FA5}">
+                      <a16:colId xmlns:a16="http://schemas.microsoft.com/office/drawing/2014/main" val="20000"/>
+                    </a:ext>
+                  </a:extLst>
+                </a:gridCol>
+                <a:gridCol w="2218267">
+                  <a:extLst>
+                    <a:ext uri="{9D8B030D-6E8A-4147-A177-3AD203B41FA5}">
+                      <a16:colId xmlns:a16="http://schemas.microsoft.com/office/drawing/2014/main" val="20001"/>
+                    </a:ext>
+                  </a:extLst>
+                </a:gridCol>
+                <a:gridCol w="2218267">
+                  <a:extLst>
+                    <a:ext uri="{9D8B030D-6E8A-4147-A177-3AD203B41FA5}">
+                      <a16:colId xmlns:a16="http://schemas.microsoft.com/office/drawing/2014/main" val="20002"/>
+                    </a:ext>
+                  </a:extLst>
+                </a:gridCol>
               </a:tblGrid>
               <a:tr h="293504">
                 <a:tc>
@@ -9454,9 +9465,22 @@
                     <a:lstStyle/>
                     <a:p>
                       <a:r>
-                        <a:rPr lang="en-US" dirty="0" smtClean="0"/>
+                        <a:rPr lang="en-US" dirty="0"/>
                         <a:t>State</a:t>
                       </a:r>
+                    </a:p>
+                  </a:txBody>
+                  <a:tcPr/>
+                </a:tc>
+                <a:tc>
+                  <a:txBody>
+                    <a:bodyPr/>
+                    <a:lstStyle/>
+                    <a:p>
+                      <a:r>
+                        <a:rPr lang="en-US" dirty="0" err="1"/>
+                        <a:t>Beer_name</a:t>
+                      </a:r>
                       <a:endParaRPr lang="en-US" dirty="0"/>
                     </a:p>
                   </a:txBody>
@@ -9468,28 +9492,19 @@
                     <a:lstStyle/>
                     <a:p>
                       <a:r>
-                        <a:rPr lang="en-US" dirty="0" err="1" smtClean="0"/>
-                        <a:t>Beer_name</a:t>
+                        <a:rPr lang="en-US" dirty="0" err="1"/>
+                        <a:t>Max_IBU</a:t>
                       </a:r>
                       <a:endParaRPr lang="en-US" dirty="0"/>
                     </a:p>
                   </a:txBody>
                   <a:tcPr/>
                 </a:tc>
-                <a:tc>
-                  <a:txBody>
-                    <a:bodyPr/>
-                    <a:lstStyle/>
-                    <a:p>
-                      <a:r>
-                        <a:rPr lang="en-US" dirty="0" err="1" smtClean="0"/>
-                        <a:t>Max_IBU</a:t>
-                      </a:r>
-                      <a:endParaRPr lang="en-US" dirty="0"/>
-                    </a:p>
-                  </a:txBody>
-                  <a:tcPr/>
-                </a:tc>
+                <a:extLst>
+                  <a:ext uri="{0D108BD9-81ED-4DB2-BD59-A6C34878D82A}">
+                    <a16:rowId xmlns:a16="http://schemas.microsoft.com/office/drawing/2014/main" val="10000"/>
+                  </a:ext>
+                </a:extLst>
               </a:tr>
               <a:tr h="506596">
                 <a:tc>
@@ -9498,27 +9513,26 @@
                     <a:lstStyle/>
                     <a:p>
                       <a:r>
-                        <a:rPr lang="en-US" dirty="0" smtClean="0"/>
+                        <a:rPr lang="en-US" dirty="0"/>
                         <a:t>OR</a:t>
                       </a:r>
-                      <a:endParaRPr lang="en-US" dirty="0"/>
-                    </a:p>
-                  </a:txBody>
-                  <a:tcPr/>
-                </a:tc>
-                <a:tc>
-                  <a:txBody>
-                    <a:bodyPr/>
-                    <a:lstStyle/>
-                    <a:p>
-                      <a:r>
-                        <a:rPr lang="en-US" dirty="0" smtClean="0">
+                    </a:p>
+                  </a:txBody>
+                  <a:tcPr/>
+                </a:tc>
+                <a:tc>
+                  <a:txBody>
+                    <a:bodyPr/>
+                    <a:lstStyle/>
+                    <a:p>
+                      <a:r>
+                        <a:rPr lang="en-US" dirty="0">
                           <a:effectLst/>
                         </a:rPr>
                         <a:t>Bitter B*</a:t>
                       </a:r>
                       <a:r>
-                        <a:rPr lang="en-US" dirty="0" err="1" smtClean="0">
+                        <a:rPr lang="en-US" dirty="0" err="1">
                           <a:effectLst/>
                         </a:rPr>
                         <a:t>tch</a:t>
@@ -9534,14 +9548,18 @@
                     <a:lstStyle/>
                     <a:p>
                       <a:r>
-                        <a:rPr lang="en-US" dirty="0" smtClean="0"/>
+                        <a:rPr lang="en-US" dirty="0"/>
                         <a:t>138</a:t>
                       </a:r>
-                      <a:endParaRPr lang="en-US" dirty="0"/>
-                    </a:p>
-                  </a:txBody>
-                  <a:tcPr/>
-                </a:tc>
+                    </a:p>
+                  </a:txBody>
+                  <a:tcPr/>
+                </a:tc>
+                <a:extLst>
+                  <a:ext uri="{0D108BD9-81ED-4DB2-BD59-A6C34878D82A}">
+                    <a16:rowId xmlns:a16="http://schemas.microsoft.com/office/drawing/2014/main" val="10001"/>
+                  </a:ext>
+                </a:extLst>
               </a:tr>
             </a:tbl>
           </a:graphicData>
@@ -9582,7 +9600,7 @@
           <p:cNvPr id="2" name="Title 1">
             <a:extLst>
               <a:ext uri="{FF2B5EF4-FFF2-40B4-BE49-F238E27FC236}">
-                <a16:creationId xmlns="" xmlns:a16="http://schemas.microsoft.com/office/drawing/2014/main" id="{22EE1ED7-307C-434A-B3EB-1503B25A57EE}"/>
+                <a16:creationId xmlns:a16="http://schemas.microsoft.com/office/drawing/2014/main" id="{22EE1ED7-307C-434A-B3EB-1503B25A57EE}"/>
               </a:ext>
             </a:extLst>
           </p:cNvPr>
@@ -9610,7 +9628,7 @@
           <p:cNvPr id="5" name="Picture 4">
             <a:extLst>
               <a:ext uri="{FF2B5EF4-FFF2-40B4-BE49-F238E27FC236}">
-                <a16:creationId xmlns="" xmlns:a16="http://schemas.microsoft.com/office/drawing/2014/main" id="{CE8AEA63-3015-9949-90AE-0DC435029EF5}"/>
+                <a16:creationId xmlns:a16="http://schemas.microsoft.com/office/drawing/2014/main" id="{CE8AEA63-3015-9949-90AE-0DC435029EF5}"/>
               </a:ext>
             </a:extLst>
           </p:cNvPr>
@@ -9640,7 +9658,7 @@
           <p:cNvPr id="4" name="Content Placeholder 3">
             <a:extLst>
               <a:ext uri="{FF2B5EF4-FFF2-40B4-BE49-F238E27FC236}">
-                <a16:creationId xmlns="" xmlns:a16="http://schemas.microsoft.com/office/drawing/2014/main" id="{B2C64142-8D89-E244-9D15-5902DD346076}"/>
+                <a16:creationId xmlns:a16="http://schemas.microsoft.com/office/drawing/2014/main" id="{B2C64142-8D89-E244-9D15-5902DD346076}"/>
               </a:ext>
             </a:extLst>
           </p:cNvPr>
@@ -9701,7 +9719,7 @@
           <p:cNvPr id="2" name="Title 1">
             <a:extLst>
               <a:ext uri="{FF2B5EF4-FFF2-40B4-BE49-F238E27FC236}">
-                <a16:creationId xmlns="" xmlns:a16="http://schemas.microsoft.com/office/drawing/2014/main" id="{0A3217BA-8AC8-8745-A024-BA134A37F298}"/>
+                <a16:creationId xmlns:a16="http://schemas.microsoft.com/office/drawing/2014/main" id="{0A3217BA-8AC8-8745-A024-BA134A37F298}"/>
               </a:ext>
             </a:extLst>
           </p:cNvPr>
@@ -9729,7 +9747,7 @@
           <p:cNvPr id="5" name="Picture 4">
             <a:extLst>
               <a:ext uri="{FF2B5EF4-FFF2-40B4-BE49-F238E27FC236}">
-                <a16:creationId xmlns="" xmlns:a16="http://schemas.microsoft.com/office/drawing/2014/main" id="{58EFD2C9-DE27-E346-861A-08B0B7C71A00}"/>
+                <a16:creationId xmlns:a16="http://schemas.microsoft.com/office/drawing/2014/main" id="{58EFD2C9-DE27-E346-861A-08B0B7C71A00}"/>
               </a:ext>
             </a:extLst>
           </p:cNvPr>
@@ -9777,7 +9795,7 @@
           <a:lstStyle/>
           <a:p>
             <a:r>
-              <a:rPr lang="en-US" dirty="0" smtClean="0"/>
+              <a:rPr lang="en-US" dirty="0"/>
               <a:t>It appears that there’s a linear relationship between IBU and ABV in this dataset.</a:t>
             </a:r>
           </a:p>
@@ -9787,10 +9805,9 @@
               <a:buChar char="•"/>
             </a:pPr>
             <a:r>
-              <a:rPr lang="en-US" dirty="0" smtClean="0"/>
-              <a:t>With higher alcohol content the beer tend to taste more bitterness.</a:t>
-            </a:r>
-            <a:endParaRPr lang="en-US" dirty="0"/>
+              <a:rPr lang="en-US" dirty="0"/>
+              <a:t>Do buyers prefer more bitterness with stronger beers?</a:t>
+            </a:r>
           </a:p>
         </p:txBody>
       </p:sp>
